--- a/course/compiler/LectureNotes/(Spring2017)Lecture2.pptx
+++ b/course/compiler/LectureNotes/(Spring2017)Lecture2.pptx
@@ -5,10 +5,10 @@
     <p:sldMasterId id="2147483648" r:id="rId4"/>
   </p:sldMasterIdLst>
   <p:notesMasterIdLst>
-    <p:notesMasterId r:id="rId16"/>
+    <p:notesMasterId r:id="rId19"/>
   </p:notesMasterIdLst>
   <p:handoutMasterIdLst>
-    <p:handoutMasterId r:id="rId17"/>
+    <p:handoutMasterId r:id="rId20"/>
   </p:handoutMasterIdLst>
   <p:sldIdLst>
     <p:sldId id="256" r:id="rId5"/>
@@ -21,7 +21,10 @@
     <p:sldId id="265" r:id="rId12"/>
     <p:sldId id="268" r:id="rId13"/>
     <p:sldId id="269" r:id="rId14"/>
-    <p:sldId id="270" r:id="rId15"/>
+    <p:sldId id="271" r:id="rId15"/>
+    <p:sldId id="272" r:id="rId16"/>
+    <p:sldId id="270" r:id="rId17"/>
+    <p:sldId id="273" r:id="rId18"/>
   </p:sldIdLst>
   <p:sldSz cx="9144000" cy="6858000" type="screen4x3"/>
   <p:notesSz cx="6858000" cy="9144000"/>
@@ -237,7 +240,7 @@
                 <a:ea typeface="微软雅黑" panose="020B0503020204020204" pitchFamily="34" charset="-122"/>
               </a:rPr>
               <a:pPr algn="r" rtl="0"/>
-              <a:t>2017/4/11</a:t>
+              <a:t>2017/4/16</a:t>
             </a:fld>
             <a:endParaRPr lang="zh-CN" altLang="en-US" dirty="0">
               <a:latin typeface="微软雅黑" panose="020B0503020204020204" pitchFamily="34" charset="-122"/>
@@ -424,7 +427,7 @@
             <a:fld id="{229B22C3-6CB1-491B-AD00-E0837F23A3F3}" type="datetime1">
               <a:rPr lang="zh-CN" altLang="en-US" smtClean="0"/>
               <a:pPr/>
-              <a:t>2017/4/11</a:t>
+              <a:t>2017/4/16</a:t>
             </a:fld>
             <a:endParaRPr lang="zh-CN" altLang="en-US" dirty="0"/>
           </a:p>
@@ -1020,7 +1023,7 @@
             <a:fld id="{A7392AAC-879E-4B39-8824-AF6B730A809E}" type="datetime1">
               <a:rPr lang="zh-CN" altLang="en-US" smtClean="0"/>
               <a:pPr/>
-              <a:t>2017/4/11</a:t>
+              <a:t>2017/4/16</a:t>
             </a:fld>
             <a:endParaRPr lang="zh-CN" altLang="en-US" dirty="0"/>
           </a:p>
@@ -1361,7 +1364,7 @@
             <a:fld id="{7118C275-B304-48F5-8C4F-015CBCF4E7C1}" type="datetime1">
               <a:rPr lang="zh-CN" altLang="en-US" smtClean="0"/>
               <a:pPr/>
-              <a:t>2017/4/11</a:t>
+              <a:t>2017/4/16</a:t>
             </a:fld>
             <a:r>
               <a:rPr lang="zh-CN" altLang="en-US" dirty="0"/>
@@ -1567,7 +1570,7 @@
             <a:fld id="{98791AA9-DDCB-4BA8-AD1D-963A3AA00622}" type="datetime1">
               <a:rPr lang="zh-CN" altLang="en-US" smtClean="0"/>
               <a:pPr/>
-              <a:t>2017/4/11</a:t>
+              <a:t>2017/4/16</a:t>
             </a:fld>
             <a:endParaRPr lang="zh-CN" altLang="en-US" dirty="0"/>
           </a:p>
@@ -1771,7 +1774,7 @@
             <a:fld id="{9170426F-E661-472B-BE42-25E072CD46D9}" type="datetime1">
               <a:rPr lang="zh-CN" altLang="en-US" smtClean="0"/>
               <a:pPr/>
-              <a:t>2017/4/11</a:t>
+              <a:t>2017/4/16</a:t>
             </a:fld>
             <a:endParaRPr lang="zh-CN" altLang="en-US" dirty="0"/>
           </a:p>
@@ -2093,7 +2096,7 @@
             <a:fld id="{9BA78444-6099-4C0A-A3A9-C6F3C5D7F289}" type="datetime1">
               <a:rPr lang="zh-CN" altLang="en-US" smtClean="0"/>
               <a:pPr/>
-              <a:t>2017/4/11</a:t>
+              <a:t>2017/4/16</a:t>
             </a:fld>
             <a:endParaRPr lang="zh-CN" altLang="en-US" dirty="0"/>
           </a:p>
@@ -3205,7 +3208,7 @@
             <a:fld id="{AF5F6A19-70BF-4380-9A40-68C9536408C6}" type="datetime1">
               <a:rPr lang="zh-CN" altLang="en-US" smtClean="0"/>
               <a:pPr/>
-              <a:t>2017/4/11</a:t>
+              <a:t>2017/4/16</a:t>
             </a:fld>
             <a:endParaRPr lang="zh-CN" altLang="en-US" dirty="0"/>
           </a:p>
@@ -3604,7 +3607,7 @@
             <a:fld id="{6017EB90-196C-4C15-BD31-13E0E0436C73}" type="datetime1">
               <a:rPr lang="zh-CN" altLang="en-US" smtClean="0"/>
               <a:pPr/>
-              <a:t>2017/4/11</a:t>
+              <a:t>2017/4/16</a:t>
             </a:fld>
             <a:r>
               <a:rPr lang="zh-CN" altLang="en-US" dirty="0"/>
@@ -4086,7 +4089,7 @@
             <a:fld id="{C2EC0F41-B48F-4298-A7F6-618EB9D22195}" type="datetime1">
               <a:rPr lang="zh-CN" altLang="en-US" smtClean="0"/>
               <a:pPr/>
-              <a:t>2017/4/11</a:t>
+              <a:t>2017/4/16</a:t>
             </a:fld>
             <a:endParaRPr lang="zh-CN" altLang="en-US" dirty="0"/>
           </a:p>
@@ -4237,7 +4240,7 @@
             <a:fld id="{7DB2D836-56E8-4B15-857C-14B1A5B3B67B}" type="datetime1">
               <a:rPr lang="zh-CN" altLang="en-US" smtClean="0"/>
               <a:pPr/>
-              <a:t>2017/4/11</a:t>
+              <a:t>2017/4/16</a:t>
             </a:fld>
             <a:endParaRPr lang="zh-CN" altLang="en-US" dirty="0"/>
           </a:p>
@@ -4355,7 +4358,7 @@
             <a:fld id="{038D929F-7D8C-4CC3-8AC7-BB9B8FE2DEBF}" type="datetime1">
               <a:rPr lang="zh-CN" altLang="en-US" smtClean="0"/>
               <a:pPr/>
-              <a:t>2017/4/11</a:t>
+              <a:t>2017/4/16</a:t>
             </a:fld>
             <a:endParaRPr lang="zh-CN" altLang="en-US" dirty="0"/>
           </a:p>
@@ -4658,7 +4661,7 @@
             <a:fld id="{F7892ACC-8BC8-4C9E-9D2B-0669DA5038B6}" type="datetime1">
               <a:rPr lang="zh-CN" altLang="en-US" smtClean="0"/>
               <a:pPr/>
-              <a:t>2017/4/11</a:t>
+              <a:t>2017/4/16</a:t>
             </a:fld>
             <a:endParaRPr lang="zh-CN" altLang="en-US" dirty="0"/>
           </a:p>
@@ -4924,7 +4927,7 @@
             <a:fld id="{660B6A15-7713-4A08-BBFD-F297CCC2B976}" type="datetime1">
               <a:rPr lang="zh-CN" altLang="en-US" smtClean="0"/>
               <a:pPr/>
-              <a:t>2017/4/11</a:t>
+              <a:t>2017/4/16</a:t>
             </a:fld>
             <a:r>
               <a:rPr lang="zh-CN" altLang="en-US" dirty="0"/>
@@ -5852,7 +5855,7 @@
           <a:graphicData uri="http://schemas.openxmlformats.org/presentationml/2006/ole">
             <mc:AlternateContent xmlns:mc="http://schemas.openxmlformats.org/markup-compatibility/2006">
               <mc:Choice xmlns:v="urn:schemas-microsoft-com:vml" Requires="v">
-                <p:oleObj spid="_x0000_s7222" name="Equation" r:id="rId3" imgW="469800" imgH="203040" progId="Equation.DSMT4">
+                <p:oleObj spid="_x0000_s7286" name="Equation" r:id="rId3" imgW="469800" imgH="203040" progId="Equation.DSMT4">
                   <p:embed/>
                 </p:oleObj>
               </mc:Choice>
@@ -5909,7 +5912,7 @@
           <a:graphicData uri="http://schemas.openxmlformats.org/presentationml/2006/ole">
             <mc:AlternateContent xmlns:mc="http://schemas.openxmlformats.org/markup-compatibility/2006">
               <mc:Choice xmlns:v="urn:schemas-microsoft-com:vml" Requires="v">
-                <p:oleObj spid="_x0000_s7223" name="Equation" r:id="rId5" imgW="152280" imgH="139680" progId="Equation.DSMT4">
+                <p:oleObj spid="_x0000_s7287" name="Equation" r:id="rId5" imgW="152280" imgH="139680" progId="Equation.DSMT4">
                   <p:embed/>
                 </p:oleObj>
               </mc:Choice>
@@ -5966,7 +5969,7 @@
           <a:graphicData uri="http://schemas.openxmlformats.org/presentationml/2006/ole">
             <mc:AlternateContent xmlns:mc="http://schemas.openxmlformats.org/markup-compatibility/2006">
               <mc:Choice xmlns:v="urn:schemas-microsoft-com:vml" Requires="v">
-                <p:oleObj spid="_x0000_s7224" name="Equation" r:id="rId7" imgW="583920" imgH="228600" progId="Equation.DSMT4">
+                <p:oleObj spid="_x0000_s7288" name="Equation" r:id="rId7" imgW="583920" imgH="228600" progId="Equation.DSMT4">
                   <p:embed/>
                 </p:oleObj>
               </mc:Choice>
@@ -6023,7 +6026,7 @@
           <a:graphicData uri="http://schemas.openxmlformats.org/presentationml/2006/ole">
             <mc:AlternateContent xmlns:mc="http://schemas.openxmlformats.org/markup-compatibility/2006">
               <mc:Choice xmlns:v="urn:schemas-microsoft-com:vml" Requires="v">
-                <p:oleObj spid="_x0000_s7225" name="Equation" r:id="rId9" imgW="596880" imgH="228600" progId="Equation.DSMT4">
+                <p:oleObj spid="_x0000_s7289" name="Equation" r:id="rId9" imgW="596880" imgH="228600" progId="Equation.DSMT4">
                   <p:embed/>
                 </p:oleObj>
               </mc:Choice>
@@ -6117,6 +6120,1557 @@
           <a:p>
             <a:r>
               <a:rPr lang="en-US" altLang="zh-CN" dirty="0" smtClean="0"/>
+              <a:t>Parse Tree</a:t>
+            </a:r>
+            <a:endParaRPr lang="zh-CN" altLang="en-US" dirty="0"/>
+          </a:p>
+        </p:txBody>
+      </p:sp>
+      <p:sp>
+        <p:nvSpPr>
+          <p:cNvPr id="3" name="内容占位符 2"/>
+          <p:cNvSpPr>
+            <a:spLocks noGrp="1"/>
+          </p:cNvSpPr>
+          <p:nvPr>
+            <p:ph idx="1"/>
+          </p:nvPr>
+        </p:nvSpPr>
+        <p:spPr>
+          <a:xfrm>
+            <a:off x="828675" y="1600200"/>
+            <a:ext cx="7486650" cy="997527"/>
+          </a:xfrm>
+        </p:spPr>
+        <p:txBody>
+          <a:bodyPr/>
+          <a:lstStyle/>
+          <a:p>
+            <a:r>
+              <a:rPr lang="en-US" altLang="zh-CN" dirty="0"/>
+              <a:t>A parse tree pictorially shows how the start symbol of a grammar derives </a:t>
+            </a:r>
+            <a:r>
+              <a:rPr lang="en-US" altLang="zh-CN" dirty="0" smtClean="0"/>
+              <a:t>a string </a:t>
+            </a:r>
+            <a:r>
+              <a:rPr lang="en-US" altLang="zh-CN" dirty="0"/>
+              <a:t>in the language. If nonterminal </a:t>
+            </a:r>
+            <a:r>
+              <a:rPr lang="en-US" altLang="zh-CN" i="1" dirty="0"/>
+              <a:t>A</a:t>
+            </a:r>
+            <a:r>
+              <a:rPr lang="en-US" altLang="zh-CN" dirty="0"/>
+              <a:t> has a </a:t>
+            </a:r>
+            <a:r>
+              <a:rPr lang="en-US" altLang="zh-CN" dirty="0" smtClean="0"/>
+              <a:t>production              , </a:t>
+            </a:r>
+            <a:r>
+              <a:rPr lang="en-US" altLang="zh-CN" dirty="0"/>
+              <a:t>then </a:t>
+            </a:r>
+            <a:r>
+              <a:rPr lang="en-US" altLang="zh-CN" dirty="0" smtClean="0"/>
+              <a:t>a parse </a:t>
+            </a:r>
+            <a:r>
+              <a:rPr lang="en-US" altLang="zh-CN" dirty="0"/>
+              <a:t>tree may have an interior node labeled A with three children labeled </a:t>
+            </a:r>
+            <a:r>
+              <a:rPr lang="en-US" altLang="zh-CN" dirty="0" smtClean="0"/>
+              <a:t>X, Y</a:t>
+            </a:r>
+            <a:r>
+              <a:rPr lang="en-US" altLang="zh-CN" dirty="0"/>
+              <a:t>, and Z, from left to right:</a:t>
+            </a:r>
+            <a:endParaRPr lang="zh-CN" altLang="en-US" dirty="0"/>
+          </a:p>
+        </p:txBody>
+      </p:sp>
+      <p:graphicFrame>
+        <p:nvGraphicFramePr>
+          <p:cNvPr id="4" name="对象 3"/>
+          <p:cNvGraphicFramePr>
+            <a:graphicFrameLocks noChangeAspect="1"/>
+          </p:cNvGraphicFramePr>
+          <p:nvPr>
+            <p:extLst>
+              <p:ext uri="{D42A27DB-BD31-4B8C-83A1-F6EECF244321}">
+                <p14:modId xmlns:p14="http://schemas.microsoft.com/office/powerpoint/2010/main" val="3541159955"/>
+              </p:ext>
+            </p:extLst>
+          </p:nvPr>
+        </p:nvGraphicFramePr>
+        <p:xfrm>
+          <a:off x="6192982" y="1839638"/>
+          <a:ext cx="755424" cy="207371"/>
+        </p:xfrm>
+        <a:graphic>
+          <a:graphicData uri="http://schemas.openxmlformats.org/presentationml/2006/ole">
+            <mc:AlternateContent xmlns:mc="http://schemas.openxmlformats.org/markup-compatibility/2006">
+              <mc:Choice xmlns:v="urn:schemas-microsoft-com:vml" Requires="v">
+                <p:oleObj spid="_x0000_s9281" name="Equation" r:id="rId3" imgW="647640" imgH="177480" progId="Equation.DSMT4">
+                  <p:embed/>
+                </p:oleObj>
+              </mc:Choice>
+              <mc:Fallback>
+                <p:oleObj name="Equation" r:id="rId3" imgW="647640" imgH="177480" progId="Equation.DSMT4">
+                  <p:embed/>
+                  <p:pic>
+                    <p:nvPicPr>
+                      <p:cNvPr id="0" name=""/>
+                      <p:cNvPicPr/>
+                      <p:nvPr/>
+                    </p:nvPicPr>
+                    <p:blipFill>
+                      <a:blip r:embed="rId4"/>
+                      <a:stretch>
+                        <a:fillRect/>
+                      </a:stretch>
+                    </p:blipFill>
+                    <p:spPr>
+                      <a:xfrm>
+                        <a:off x="6192982" y="1839638"/>
+                        <a:ext cx="755424" cy="207371"/>
+                      </a:xfrm>
+                      <a:prstGeom prst="rect">
+                        <a:avLst/>
+                      </a:prstGeom>
+                    </p:spPr>
+                  </p:pic>
+                </p:oleObj>
+              </mc:Fallback>
+            </mc:AlternateContent>
+          </a:graphicData>
+        </a:graphic>
+      </p:graphicFrame>
+      <p:sp>
+        <p:nvSpPr>
+          <p:cNvPr id="5" name="文本框 4"/>
+          <p:cNvSpPr txBox="1"/>
+          <p:nvPr/>
+        </p:nvSpPr>
+        <p:spPr>
+          <a:xfrm>
+            <a:off x="4571431" y="2306782"/>
+            <a:ext cx="300082" cy="369332"/>
+          </a:xfrm>
+          <a:prstGeom prst="rect">
+            <a:avLst/>
+          </a:prstGeom>
+          <a:noFill/>
+        </p:spPr>
+        <p:txBody>
+          <a:bodyPr wrap="none" rtlCol="0">
+            <a:spAutoFit/>
+          </a:bodyPr>
+          <a:lstStyle/>
+          <a:p>
+            <a:r>
+              <a:rPr lang="en-US" altLang="zh-CN" dirty="0" smtClean="0"/>
+              <a:t>A</a:t>
+            </a:r>
+            <a:endParaRPr lang="zh-CN" altLang="en-US" dirty="0"/>
+          </a:p>
+        </p:txBody>
+      </p:sp>
+      <p:sp>
+        <p:nvSpPr>
+          <p:cNvPr id="6" name="文本框 5"/>
+          <p:cNvSpPr txBox="1"/>
+          <p:nvPr/>
+        </p:nvSpPr>
+        <p:spPr>
+          <a:xfrm>
+            <a:off x="4121159" y="2816240"/>
+            <a:ext cx="300082" cy="369332"/>
+          </a:xfrm>
+          <a:prstGeom prst="rect">
+            <a:avLst/>
+          </a:prstGeom>
+          <a:noFill/>
+        </p:spPr>
+        <p:txBody>
+          <a:bodyPr wrap="none" rtlCol="0">
+            <a:spAutoFit/>
+          </a:bodyPr>
+          <a:lstStyle/>
+          <a:p>
+            <a:r>
+              <a:rPr lang="en-US" altLang="zh-CN" dirty="0" smtClean="0"/>
+              <a:t>X</a:t>
+            </a:r>
+            <a:endParaRPr lang="zh-CN" altLang="en-US" dirty="0"/>
+          </a:p>
+        </p:txBody>
+      </p:sp>
+      <p:sp>
+        <p:nvSpPr>
+          <p:cNvPr id="7" name="文本框 6"/>
+          <p:cNvSpPr txBox="1"/>
+          <p:nvPr/>
+        </p:nvSpPr>
+        <p:spPr>
+          <a:xfrm>
+            <a:off x="4571282" y="2789587"/>
+            <a:ext cx="300082" cy="369332"/>
+          </a:xfrm>
+          <a:prstGeom prst="rect">
+            <a:avLst/>
+          </a:prstGeom>
+          <a:noFill/>
+        </p:spPr>
+        <p:txBody>
+          <a:bodyPr wrap="none" rtlCol="0">
+            <a:spAutoFit/>
+          </a:bodyPr>
+          <a:lstStyle/>
+          <a:p>
+            <a:r>
+              <a:rPr lang="en-US" altLang="zh-CN" dirty="0" smtClean="0"/>
+              <a:t>Y</a:t>
+            </a:r>
+            <a:endParaRPr lang="zh-CN" altLang="en-US" dirty="0"/>
+          </a:p>
+        </p:txBody>
+      </p:sp>
+      <p:sp>
+        <p:nvSpPr>
+          <p:cNvPr id="8" name="文本框 7"/>
+          <p:cNvSpPr txBox="1"/>
+          <p:nvPr/>
+        </p:nvSpPr>
+        <p:spPr>
+          <a:xfrm>
+            <a:off x="5021554" y="2801467"/>
+            <a:ext cx="300082" cy="369332"/>
+          </a:xfrm>
+          <a:prstGeom prst="rect">
+            <a:avLst/>
+          </a:prstGeom>
+          <a:noFill/>
+        </p:spPr>
+        <p:txBody>
+          <a:bodyPr wrap="none" rtlCol="0">
+            <a:spAutoFit/>
+          </a:bodyPr>
+          <a:lstStyle/>
+          <a:p>
+            <a:r>
+              <a:rPr lang="en-US" altLang="zh-CN" dirty="0"/>
+              <a:t>Z</a:t>
+            </a:r>
+            <a:endParaRPr lang="zh-CN" altLang="en-US" dirty="0"/>
+          </a:p>
+        </p:txBody>
+      </p:sp>
+      <p:cxnSp>
+        <p:nvCxnSpPr>
+          <p:cNvPr id="10" name="直接连接符 9"/>
+          <p:cNvCxnSpPr>
+            <a:stCxn id="5" idx="2"/>
+          </p:cNvCxnSpPr>
+          <p:nvPr/>
+        </p:nvCxnSpPr>
+        <p:spPr>
+          <a:xfrm flipH="1">
+            <a:off x="4271200" y="2676114"/>
+            <a:ext cx="450272" cy="205806"/>
+          </a:xfrm>
+          <a:prstGeom prst="line">
+            <a:avLst/>
+          </a:prstGeom>
+          <a:ln>
+            <a:solidFill>
+              <a:schemeClr val="accent1"/>
+            </a:solidFill>
+          </a:ln>
+        </p:spPr>
+        <p:style>
+          <a:lnRef idx="1">
+            <a:schemeClr val="accent1"/>
+          </a:lnRef>
+          <a:fillRef idx="0">
+            <a:schemeClr val="accent1"/>
+          </a:fillRef>
+          <a:effectRef idx="0">
+            <a:schemeClr val="accent1"/>
+          </a:effectRef>
+          <a:fontRef idx="minor">
+            <a:schemeClr val="tx1"/>
+          </a:fontRef>
+        </p:style>
+      </p:cxnSp>
+      <p:cxnSp>
+        <p:nvCxnSpPr>
+          <p:cNvPr id="12" name="直接连接符 11"/>
+          <p:cNvCxnSpPr/>
+          <p:nvPr/>
+        </p:nvCxnSpPr>
+        <p:spPr>
+          <a:xfrm>
+            <a:off x="4721472" y="2697254"/>
+            <a:ext cx="0" cy="184666"/>
+          </a:xfrm>
+          <a:prstGeom prst="line">
+            <a:avLst/>
+          </a:prstGeom>
+          <a:ln>
+            <a:solidFill>
+              <a:schemeClr val="accent1"/>
+            </a:solidFill>
+          </a:ln>
+        </p:spPr>
+        <p:style>
+          <a:lnRef idx="1">
+            <a:schemeClr val="accent1"/>
+          </a:lnRef>
+          <a:fillRef idx="0">
+            <a:schemeClr val="accent1"/>
+          </a:fillRef>
+          <a:effectRef idx="0">
+            <a:schemeClr val="accent1"/>
+          </a:effectRef>
+          <a:fontRef idx="minor">
+            <a:schemeClr val="tx1"/>
+          </a:fontRef>
+        </p:style>
+      </p:cxnSp>
+      <p:cxnSp>
+        <p:nvCxnSpPr>
+          <p:cNvPr id="14" name="直接连接符 13"/>
+          <p:cNvCxnSpPr/>
+          <p:nvPr/>
+        </p:nvCxnSpPr>
+        <p:spPr>
+          <a:xfrm>
+            <a:off x="4721323" y="2676114"/>
+            <a:ext cx="450272" cy="226946"/>
+          </a:xfrm>
+          <a:prstGeom prst="line">
+            <a:avLst/>
+          </a:prstGeom>
+          <a:ln>
+            <a:solidFill>
+              <a:schemeClr val="accent1"/>
+            </a:solidFill>
+          </a:ln>
+        </p:spPr>
+        <p:style>
+          <a:lnRef idx="1">
+            <a:schemeClr val="accent1"/>
+          </a:lnRef>
+          <a:fillRef idx="0">
+            <a:schemeClr val="accent1"/>
+          </a:fillRef>
+          <a:effectRef idx="0">
+            <a:schemeClr val="accent1"/>
+          </a:effectRef>
+          <a:fontRef idx="minor">
+            <a:schemeClr val="tx1"/>
+          </a:fontRef>
+        </p:style>
+      </p:cxnSp>
+      <p:sp>
+        <p:nvSpPr>
+          <p:cNvPr id="16" name="矩形 15"/>
+          <p:cNvSpPr/>
+          <p:nvPr/>
+        </p:nvSpPr>
+        <p:spPr>
+          <a:xfrm>
+            <a:off x="828675" y="3444905"/>
+            <a:ext cx="7485512" cy="2320635"/>
+          </a:xfrm>
+          <a:prstGeom prst="rect">
+            <a:avLst/>
+          </a:prstGeom>
+        </p:spPr>
+        <p:txBody>
+          <a:bodyPr wrap="square">
+            <a:spAutoFit/>
+          </a:bodyPr>
+          <a:lstStyle/>
+          <a:p>
+            <a:pPr marL="171450" indent="-171450" defTabSz="685800">
+              <a:lnSpc>
+                <a:spcPct val="90000"/>
+              </a:lnSpc>
+              <a:spcBef>
+                <a:spcPts val="1350"/>
+              </a:spcBef>
+              <a:buFont typeface="Wingdings" panose="05000000000000000000" pitchFamily="2" charset="2"/>
+              <a:buChar char="§"/>
+            </a:pPr>
+            <a:r>
+              <a:rPr lang="en-US" altLang="zh-CN" sz="1500" dirty="0">
+                <a:latin typeface="微软雅黑" panose="020B0503020204020204" pitchFamily="34" charset="-122"/>
+                <a:ea typeface="微软雅黑" panose="020B0503020204020204" pitchFamily="34" charset="-122"/>
+              </a:rPr>
+              <a:t>The root is labeled by the start </a:t>
+            </a:r>
+            <a:r>
+              <a:rPr lang="en-US" altLang="zh-CN" sz="1500" dirty="0">
+                <a:latin typeface="微软雅黑" panose="020B0503020204020204" pitchFamily="34" charset="-122"/>
+                <a:ea typeface="微软雅黑" panose="020B0503020204020204" pitchFamily="34" charset="-122"/>
+              </a:rPr>
+              <a:t>symbol</a:t>
+            </a:r>
+          </a:p>
+          <a:p>
+            <a:pPr marL="171450" indent="-171450" defTabSz="685800">
+              <a:lnSpc>
+                <a:spcPct val="90000"/>
+              </a:lnSpc>
+              <a:spcBef>
+                <a:spcPts val="1350"/>
+              </a:spcBef>
+              <a:buFont typeface="Wingdings" panose="05000000000000000000" pitchFamily="2" charset="2"/>
+              <a:buChar char="§"/>
+            </a:pPr>
+            <a:r>
+              <a:rPr lang="en-US" altLang="zh-CN" sz="1500" dirty="0">
+                <a:latin typeface="微软雅黑" panose="020B0503020204020204" pitchFamily="34" charset="-122"/>
+                <a:ea typeface="微软雅黑" panose="020B0503020204020204" pitchFamily="34" charset="-122"/>
+              </a:rPr>
+              <a:t>Each leaf is labeled by a terminal or </a:t>
+            </a:r>
+            <a:r>
+              <a:rPr lang="en-US" altLang="zh-CN" sz="1500" dirty="0">
+                <a:latin typeface="微软雅黑" panose="020B0503020204020204" pitchFamily="34" charset="-122"/>
+                <a:ea typeface="微软雅黑" panose="020B0503020204020204" pitchFamily="34" charset="-122"/>
+              </a:rPr>
+              <a:t>by   </a:t>
+            </a:r>
+            <a:r>
+              <a:rPr lang="en-US" altLang="zh-CN" sz="1600" dirty="0" smtClean="0"/>
+              <a:t>.</a:t>
+            </a:r>
+          </a:p>
+          <a:p>
+            <a:pPr marL="171450" indent="-171450" defTabSz="685800">
+              <a:lnSpc>
+                <a:spcPct val="90000"/>
+              </a:lnSpc>
+              <a:spcBef>
+                <a:spcPts val="1350"/>
+              </a:spcBef>
+              <a:buFont typeface="Wingdings" panose="05000000000000000000" pitchFamily="2" charset="2"/>
+              <a:buChar char="§"/>
+            </a:pPr>
+            <a:r>
+              <a:rPr lang="en-US" altLang="zh-CN" sz="1500" dirty="0">
+                <a:latin typeface="微软雅黑" panose="020B0503020204020204" pitchFamily="34" charset="-122"/>
+                <a:ea typeface="微软雅黑" panose="020B0503020204020204" pitchFamily="34" charset="-122"/>
+              </a:rPr>
+              <a:t>Each interior node is labeled by a </a:t>
+            </a:r>
+            <a:r>
+              <a:rPr lang="en-US" altLang="zh-CN" sz="1500" dirty="0" smtClean="0">
+                <a:latin typeface="微软雅黑" panose="020B0503020204020204" pitchFamily="34" charset="-122"/>
+                <a:ea typeface="微软雅黑" panose="020B0503020204020204" pitchFamily="34" charset="-122"/>
+              </a:rPr>
+              <a:t>nonterminal</a:t>
+            </a:r>
+            <a:endParaRPr lang="en-US" altLang="zh-CN" sz="1500" dirty="0">
+              <a:latin typeface="微软雅黑" panose="020B0503020204020204" pitchFamily="34" charset="-122"/>
+              <a:ea typeface="微软雅黑" panose="020B0503020204020204" pitchFamily="34" charset="-122"/>
+            </a:endParaRPr>
+          </a:p>
+          <a:p>
+            <a:pPr marL="171450" indent="-171450" defTabSz="685800">
+              <a:lnSpc>
+                <a:spcPct val="90000"/>
+              </a:lnSpc>
+              <a:spcBef>
+                <a:spcPts val="1350"/>
+              </a:spcBef>
+              <a:buFont typeface="Wingdings" panose="05000000000000000000" pitchFamily="2" charset="2"/>
+              <a:buChar char="§"/>
+            </a:pPr>
+            <a:r>
+              <a:rPr lang="en-US" altLang="zh-CN" sz="1500" dirty="0">
+                <a:latin typeface="微软雅黑" panose="020B0503020204020204" pitchFamily="34" charset="-122"/>
+                <a:ea typeface="微软雅黑" panose="020B0503020204020204" pitchFamily="34" charset="-122"/>
+              </a:rPr>
+              <a:t>If A is the nonterminal labeling some interior node and </a:t>
+            </a:r>
+            <a:r>
+              <a:rPr lang="en-US" altLang="zh-CN" sz="1500" i="1" dirty="0">
+                <a:latin typeface="微软雅黑" panose="020B0503020204020204" pitchFamily="34" charset="-122"/>
+                <a:ea typeface="微软雅黑" panose="020B0503020204020204" pitchFamily="34" charset="-122"/>
+              </a:rPr>
+              <a:t>X</a:t>
+            </a:r>
+            <a:r>
+              <a:rPr lang="en-US" altLang="zh-CN" sz="1500" i="1" baseline="-25000" dirty="0">
+                <a:latin typeface="微软雅黑" panose="020B0503020204020204" pitchFamily="34" charset="-122"/>
+                <a:ea typeface="微软雅黑" panose="020B0503020204020204" pitchFamily="34" charset="-122"/>
+              </a:rPr>
+              <a:t>l</a:t>
+            </a:r>
+            <a:r>
+              <a:rPr lang="en-US" altLang="zh-CN" sz="1500" i="1" dirty="0">
+                <a:latin typeface="微软雅黑" panose="020B0503020204020204" pitchFamily="34" charset="-122"/>
+                <a:ea typeface="微软雅黑" panose="020B0503020204020204" pitchFamily="34" charset="-122"/>
+              </a:rPr>
+              <a:t> , X</a:t>
+            </a:r>
+            <a:r>
+              <a:rPr lang="en-US" altLang="zh-CN" sz="1500" i="1" baseline="-25000" dirty="0">
+                <a:latin typeface="微软雅黑" panose="020B0503020204020204" pitchFamily="34" charset="-122"/>
+                <a:ea typeface="微软雅黑" panose="020B0503020204020204" pitchFamily="34" charset="-122"/>
+              </a:rPr>
+              <a:t>2</a:t>
+            </a:r>
+            <a:r>
+              <a:rPr lang="en-US" altLang="zh-CN" sz="1500" i="1" dirty="0">
+                <a:latin typeface="微软雅黑" panose="020B0503020204020204" pitchFamily="34" charset="-122"/>
+                <a:ea typeface="微软雅黑" panose="020B0503020204020204" pitchFamily="34" charset="-122"/>
+              </a:rPr>
+              <a:t>, • • • , </a:t>
+            </a:r>
+            <a:r>
+              <a:rPr lang="en-US" altLang="zh-CN" sz="1500" i="1" dirty="0" err="1">
+                <a:latin typeface="微软雅黑" panose="020B0503020204020204" pitchFamily="34" charset="-122"/>
+                <a:ea typeface="微软雅黑" panose="020B0503020204020204" pitchFamily="34" charset="-122"/>
+              </a:rPr>
+              <a:t>X</a:t>
+            </a:r>
+            <a:r>
+              <a:rPr lang="en-US" altLang="zh-CN" sz="1500" i="1" baseline="-25000" dirty="0" err="1">
+                <a:latin typeface="微软雅黑" panose="020B0503020204020204" pitchFamily="34" charset="-122"/>
+                <a:ea typeface="微软雅黑" panose="020B0503020204020204" pitchFamily="34" charset="-122"/>
+              </a:rPr>
+              <a:t>n</a:t>
+            </a:r>
+            <a:r>
+              <a:rPr lang="en-US" altLang="zh-CN" sz="1500" i="1" dirty="0">
+                <a:latin typeface="微软雅黑" panose="020B0503020204020204" pitchFamily="34" charset="-122"/>
+                <a:ea typeface="微软雅黑" panose="020B0503020204020204" pitchFamily="34" charset="-122"/>
+              </a:rPr>
+              <a:t> </a:t>
+            </a:r>
+            <a:r>
+              <a:rPr lang="en-US" altLang="zh-CN" sz="1500" dirty="0" smtClean="0">
+                <a:latin typeface="微软雅黑" panose="020B0503020204020204" pitchFamily="34" charset="-122"/>
+                <a:ea typeface="微软雅黑" panose="020B0503020204020204" pitchFamily="34" charset="-122"/>
+              </a:rPr>
+              <a:t>are the </a:t>
+            </a:r>
+            <a:r>
+              <a:rPr lang="en-US" altLang="zh-CN" sz="1500" dirty="0">
+                <a:latin typeface="微软雅黑" panose="020B0503020204020204" pitchFamily="34" charset="-122"/>
+                <a:ea typeface="微软雅黑" panose="020B0503020204020204" pitchFamily="34" charset="-122"/>
+              </a:rPr>
+              <a:t>labels of the children of that node from left to right, then there </a:t>
+            </a:r>
+            <a:r>
+              <a:rPr lang="en-US" altLang="zh-CN" sz="1500" dirty="0" smtClean="0">
+                <a:latin typeface="微软雅黑" panose="020B0503020204020204" pitchFamily="34" charset="-122"/>
+                <a:ea typeface="微软雅黑" panose="020B0503020204020204" pitchFamily="34" charset="-122"/>
+              </a:rPr>
+              <a:t>must be </a:t>
+            </a:r>
+            <a:r>
+              <a:rPr lang="en-US" altLang="zh-CN" sz="1500" dirty="0">
+                <a:latin typeface="微软雅黑" panose="020B0503020204020204" pitchFamily="34" charset="-122"/>
+                <a:ea typeface="微软雅黑" panose="020B0503020204020204" pitchFamily="34" charset="-122"/>
+              </a:rPr>
+              <a:t>a </a:t>
+            </a:r>
+            <a:r>
+              <a:rPr lang="en-US" altLang="zh-CN" sz="1500" dirty="0" smtClean="0">
+                <a:latin typeface="微软雅黑" panose="020B0503020204020204" pitchFamily="34" charset="-122"/>
+                <a:ea typeface="微软雅黑" panose="020B0503020204020204" pitchFamily="34" charset="-122"/>
+              </a:rPr>
+              <a:t>production                            . </a:t>
+            </a:r>
+            <a:r>
+              <a:rPr lang="en-US" altLang="zh-CN" sz="1500" dirty="0">
+                <a:latin typeface="微软雅黑" panose="020B0503020204020204" pitchFamily="34" charset="-122"/>
+                <a:ea typeface="微软雅黑" panose="020B0503020204020204" pitchFamily="34" charset="-122"/>
+              </a:rPr>
+              <a:t>Here, </a:t>
+            </a:r>
+            <a:r>
+              <a:rPr lang="en-US" altLang="zh-CN" sz="1500" i="1" dirty="0">
+                <a:latin typeface="微软雅黑" panose="020B0503020204020204" pitchFamily="34" charset="-122"/>
+                <a:ea typeface="微软雅黑" panose="020B0503020204020204" pitchFamily="34" charset="-122"/>
+              </a:rPr>
+              <a:t>X</a:t>
+            </a:r>
+            <a:r>
+              <a:rPr lang="en-US" altLang="zh-CN" sz="1500" i="1" baseline="-25000" dirty="0">
+                <a:latin typeface="微软雅黑" panose="020B0503020204020204" pitchFamily="34" charset="-122"/>
+                <a:ea typeface="微软雅黑" panose="020B0503020204020204" pitchFamily="34" charset="-122"/>
+              </a:rPr>
+              <a:t>I</a:t>
+            </a:r>
+            <a:r>
+              <a:rPr lang="en-US" altLang="zh-CN" sz="1500" i="1" dirty="0">
+                <a:latin typeface="微软雅黑" panose="020B0503020204020204" pitchFamily="34" charset="-122"/>
+                <a:ea typeface="微软雅黑" panose="020B0503020204020204" pitchFamily="34" charset="-122"/>
+              </a:rPr>
+              <a:t> , X</a:t>
+            </a:r>
+            <a:r>
+              <a:rPr lang="en-US" altLang="zh-CN" sz="1500" i="1" baseline="-25000" dirty="0">
+                <a:latin typeface="微软雅黑" panose="020B0503020204020204" pitchFamily="34" charset="-122"/>
+                <a:ea typeface="微软雅黑" panose="020B0503020204020204" pitchFamily="34" charset="-122"/>
+              </a:rPr>
+              <a:t>2 </a:t>
+            </a:r>
+            <a:r>
+              <a:rPr lang="en-US" altLang="zh-CN" sz="1500" i="1" dirty="0">
+                <a:latin typeface="微软雅黑" panose="020B0503020204020204" pitchFamily="34" charset="-122"/>
+                <a:ea typeface="微软雅黑" panose="020B0503020204020204" pitchFamily="34" charset="-122"/>
+              </a:rPr>
+              <a:t>, . . . , </a:t>
+            </a:r>
+            <a:r>
+              <a:rPr lang="en-US" altLang="zh-CN" sz="1500" i="1" dirty="0" err="1">
+                <a:latin typeface="微软雅黑" panose="020B0503020204020204" pitchFamily="34" charset="-122"/>
+                <a:ea typeface="微软雅黑" panose="020B0503020204020204" pitchFamily="34" charset="-122"/>
+              </a:rPr>
+              <a:t>X</a:t>
+            </a:r>
+            <a:r>
+              <a:rPr lang="en-US" altLang="zh-CN" sz="1500" i="1" baseline="-25000" dirty="0" err="1">
+                <a:latin typeface="微软雅黑" panose="020B0503020204020204" pitchFamily="34" charset="-122"/>
+                <a:ea typeface="微软雅黑" panose="020B0503020204020204" pitchFamily="34" charset="-122"/>
+              </a:rPr>
+              <a:t>n</a:t>
+            </a:r>
+            <a:r>
+              <a:rPr lang="en-US" altLang="zh-CN" sz="1500" i="1" dirty="0">
+                <a:latin typeface="微软雅黑" panose="020B0503020204020204" pitchFamily="34" charset="-122"/>
+                <a:ea typeface="微软雅黑" panose="020B0503020204020204" pitchFamily="34" charset="-122"/>
+              </a:rPr>
+              <a:t> </a:t>
+            </a:r>
+            <a:r>
+              <a:rPr lang="en-US" altLang="zh-CN" sz="1500" dirty="0">
+                <a:latin typeface="微软雅黑" panose="020B0503020204020204" pitchFamily="34" charset="-122"/>
+                <a:ea typeface="微软雅黑" panose="020B0503020204020204" pitchFamily="34" charset="-122"/>
+              </a:rPr>
+              <a:t>each </a:t>
+            </a:r>
+            <a:r>
+              <a:rPr lang="en-US" altLang="zh-CN" sz="1500" dirty="0" smtClean="0">
+                <a:latin typeface="微软雅黑" panose="020B0503020204020204" pitchFamily="34" charset="-122"/>
+                <a:ea typeface="微软雅黑" panose="020B0503020204020204" pitchFamily="34" charset="-122"/>
+              </a:rPr>
+              <a:t>stand </a:t>
+            </a:r>
+            <a:r>
+              <a:rPr lang="en-US" altLang="zh-CN" sz="1500" dirty="0">
+                <a:latin typeface="微软雅黑" panose="020B0503020204020204" pitchFamily="34" charset="-122"/>
+                <a:ea typeface="微软雅黑" panose="020B0503020204020204" pitchFamily="34" charset="-122"/>
+              </a:rPr>
+              <a:t>for </a:t>
+            </a:r>
+            <a:r>
+              <a:rPr lang="en-US" altLang="zh-CN" sz="1500" dirty="0" err="1">
+                <a:latin typeface="微软雅黑" panose="020B0503020204020204" pitchFamily="34" charset="-122"/>
+                <a:ea typeface="微软雅黑" panose="020B0503020204020204" pitchFamily="34" charset="-122"/>
+              </a:rPr>
+              <a:t>for</a:t>
+            </a:r>
+            <a:r>
+              <a:rPr lang="en-US" altLang="zh-CN" sz="1500" dirty="0">
+                <a:latin typeface="微软雅黑" panose="020B0503020204020204" pitchFamily="34" charset="-122"/>
+                <a:ea typeface="微软雅黑" panose="020B0503020204020204" pitchFamily="34" charset="-122"/>
+              </a:rPr>
+              <a:t> a symbol that is either a terminal or a nonterminal . As a special </a:t>
+            </a:r>
+            <a:r>
+              <a:rPr lang="en-US" altLang="zh-CN" sz="1500" dirty="0" smtClean="0">
+                <a:latin typeface="微软雅黑" panose="020B0503020204020204" pitchFamily="34" charset="-122"/>
+                <a:ea typeface="微软雅黑" panose="020B0503020204020204" pitchFamily="34" charset="-122"/>
+              </a:rPr>
+              <a:t>case,  if             is </a:t>
+            </a:r>
+            <a:r>
+              <a:rPr lang="en-US" altLang="zh-CN" sz="1500" dirty="0">
+                <a:latin typeface="微软雅黑" panose="020B0503020204020204" pitchFamily="34" charset="-122"/>
+                <a:ea typeface="微软雅黑" panose="020B0503020204020204" pitchFamily="34" charset="-122"/>
+              </a:rPr>
+              <a:t>a production, then a node labeled </a:t>
+            </a:r>
+            <a:r>
+              <a:rPr lang="en-US" altLang="zh-CN" sz="1500" i="1" dirty="0">
+                <a:latin typeface="微软雅黑" panose="020B0503020204020204" pitchFamily="34" charset="-122"/>
+                <a:ea typeface="微软雅黑" panose="020B0503020204020204" pitchFamily="34" charset="-122"/>
+              </a:rPr>
+              <a:t>A</a:t>
+            </a:r>
+            <a:r>
+              <a:rPr lang="en-US" altLang="zh-CN" sz="1500" dirty="0">
+                <a:latin typeface="微软雅黑" panose="020B0503020204020204" pitchFamily="34" charset="-122"/>
+                <a:ea typeface="微软雅黑" panose="020B0503020204020204" pitchFamily="34" charset="-122"/>
+              </a:rPr>
+              <a:t> may have a single </a:t>
+            </a:r>
+            <a:r>
+              <a:rPr lang="en-US" altLang="zh-CN" sz="1500" dirty="0" smtClean="0">
+                <a:latin typeface="微软雅黑" panose="020B0503020204020204" pitchFamily="34" charset="-122"/>
+                <a:ea typeface="微软雅黑" panose="020B0503020204020204" pitchFamily="34" charset="-122"/>
+              </a:rPr>
+              <a:t>child labeled      .</a:t>
+            </a:r>
+            <a:endParaRPr lang="zh-CN" altLang="en-US" sz="1500" dirty="0">
+              <a:latin typeface="微软雅黑" panose="020B0503020204020204" pitchFamily="34" charset="-122"/>
+              <a:ea typeface="微软雅黑" panose="020B0503020204020204" pitchFamily="34" charset="-122"/>
+            </a:endParaRPr>
+          </a:p>
+        </p:txBody>
+      </p:sp>
+      <p:graphicFrame>
+        <p:nvGraphicFramePr>
+          <p:cNvPr id="17" name="对象 16"/>
+          <p:cNvGraphicFramePr>
+            <a:graphicFrameLocks noChangeAspect="1"/>
+          </p:cNvGraphicFramePr>
+          <p:nvPr>
+            <p:extLst>
+              <p:ext uri="{D42A27DB-BD31-4B8C-83A1-F6EECF244321}">
+                <p14:modId xmlns:p14="http://schemas.microsoft.com/office/powerpoint/2010/main" val="1967933993"/>
+              </p:ext>
+            </p:extLst>
+          </p:nvPr>
+        </p:nvGraphicFramePr>
+        <p:xfrm>
+          <a:off x="4623645" y="3898651"/>
+          <a:ext cx="195355" cy="214891"/>
+        </p:xfrm>
+        <a:graphic>
+          <a:graphicData uri="http://schemas.openxmlformats.org/presentationml/2006/ole">
+            <mc:AlternateContent xmlns:mc="http://schemas.openxmlformats.org/markup-compatibility/2006">
+              <mc:Choice xmlns:v="urn:schemas-microsoft-com:vml" Requires="v">
+                <p:oleObj spid="_x0000_s9282" name="Equation" r:id="rId5" imgW="126720" imgH="139680" progId="Equation.DSMT4">
+                  <p:embed/>
+                </p:oleObj>
+              </mc:Choice>
+              <mc:Fallback>
+                <p:oleObj name="Equation" r:id="rId5" imgW="126720" imgH="139680" progId="Equation.DSMT4">
+                  <p:embed/>
+                  <p:pic>
+                    <p:nvPicPr>
+                      <p:cNvPr id="0" name=""/>
+                      <p:cNvPicPr/>
+                      <p:nvPr/>
+                    </p:nvPicPr>
+                    <p:blipFill>
+                      <a:blip r:embed="rId6"/>
+                      <a:stretch>
+                        <a:fillRect/>
+                      </a:stretch>
+                    </p:blipFill>
+                    <p:spPr>
+                      <a:xfrm>
+                        <a:off x="4623645" y="3898651"/>
+                        <a:ext cx="195355" cy="214891"/>
+                      </a:xfrm>
+                      <a:prstGeom prst="rect">
+                        <a:avLst/>
+                      </a:prstGeom>
+                    </p:spPr>
+                  </p:pic>
+                </p:oleObj>
+              </mc:Fallback>
+            </mc:AlternateContent>
+          </a:graphicData>
+        </a:graphic>
+      </p:graphicFrame>
+      <p:graphicFrame>
+        <p:nvGraphicFramePr>
+          <p:cNvPr id="18" name="对象 17"/>
+          <p:cNvGraphicFramePr>
+            <a:graphicFrameLocks noChangeAspect="1"/>
+          </p:cNvGraphicFramePr>
+          <p:nvPr>
+            <p:extLst>
+              <p:ext uri="{D42A27DB-BD31-4B8C-83A1-F6EECF244321}">
+                <p14:modId xmlns:p14="http://schemas.microsoft.com/office/powerpoint/2010/main" val="299346350"/>
+              </p:ext>
+            </p:extLst>
+          </p:nvPr>
+        </p:nvGraphicFramePr>
+        <p:xfrm>
+          <a:off x="2157846" y="5007142"/>
+          <a:ext cx="1562100" cy="342900"/>
+        </p:xfrm>
+        <a:graphic>
+          <a:graphicData uri="http://schemas.openxmlformats.org/presentationml/2006/ole">
+            <mc:AlternateContent xmlns:mc="http://schemas.openxmlformats.org/markup-compatibility/2006">
+              <mc:Choice xmlns:v="urn:schemas-microsoft-com:vml" Requires="v">
+                <p:oleObj spid="_x0000_s9283" name="Equation" r:id="rId7" imgW="1041120" imgH="228600" progId="Equation.DSMT4">
+                  <p:embed/>
+                </p:oleObj>
+              </mc:Choice>
+              <mc:Fallback>
+                <p:oleObj name="Equation" r:id="rId7" imgW="1041120" imgH="228600" progId="Equation.DSMT4">
+                  <p:embed/>
+                  <p:pic>
+                    <p:nvPicPr>
+                      <p:cNvPr id="0" name=""/>
+                      <p:cNvPicPr/>
+                      <p:nvPr/>
+                    </p:nvPicPr>
+                    <p:blipFill>
+                      <a:blip r:embed="rId8"/>
+                      <a:stretch>
+                        <a:fillRect/>
+                      </a:stretch>
+                    </p:blipFill>
+                    <p:spPr>
+                      <a:xfrm>
+                        <a:off x="2157846" y="5007142"/>
+                        <a:ext cx="1562100" cy="342900"/>
+                      </a:xfrm>
+                      <a:prstGeom prst="rect">
+                        <a:avLst/>
+                      </a:prstGeom>
+                    </p:spPr>
+                  </p:pic>
+                </p:oleObj>
+              </mc:Fallback>
+            </mc:AlternateContent>
+          </a:graphicData>
+        </a:graphic>
+      </p:graphicFrame>
+      <p:graphicFrame>
+        <p:nvGraphicFramePr>
+          <p:cNvPr id="19" name="对象 18"/>
+          <p:cNvGraphicFramePr>
+            <a:graphicFrameLocks noChangeAspect="1"/>
+          </p:cNvGraphicFramePr>
+          <p:nvPr>
+            <p:extLst>
+              <p:ext uri="{D42A27DB-BD31-4B8C-83A1-F6EECF244321}">
+                <p14:modId xmlns:p14="http://schemas.microsoft.com/office/powerpoint/2010/main" val="592650621"/>
+              </p:ext>
+            </p:extLst>
+          </p:nvPr>
+        </p:nvGraphicFramePr>
+        <p:xfrm>
+          <a:off x="6747597" y="5237474"/>
+          <a:ext cx="666750" cy="266700"/>
+        </p:xfrm>
+        <a:graphic>
+          <a:graphicData uri="http://schemas.openxmlformats.org/presentationml/2006/ole">
+            <mc:AlternateContent xmlns:mc="http://schemas.openxmlformats.org/markup-compatibility/2006">
+              <mc:Choice xmlns:v="urn:schemas-microsoft-com:vml" Requires="v">
+                <p:oleObj spid="_x0000_s9284" name="Equation" r:id="rId9" imgW="444240" imgH="177480" progId="Equation.DSMT4">
+                  <p:embed/>
+                </p:oleObj>
+              </mc:Choice>
+              <mc:Fallback>
+                <p:oleObj name="Equation" r:id="rId9" imgW="444240" imgH="177480" progId="Equation.DSMT4">
+                  <p:embed/>
+                  <p:pic>
+                    <p:nvPicPr>
+                      <p:cNvPr id="0" name=""/>
+                      <p:cNvPicPr/>
+                      <p:nvPr/>
+                    </p:nvPicPr>
+                    <p:blipFill>
+                      <a:blip r:embed="rId10"/>
+                      <a:stretch>
+                        <a:fillRect/>
+                      </a:stretch>
+                    </p:blipFill>
+                    <p:spPr>
+                      <a:xfrm>
+                        <a:off x="6747597" y="5237474"/>
+                        <a:ext cx="666750" cy="266700"/>
+                      </a:xfrm>
+                      <a:prstGeom prst="rect">
+                        <a:avLst/>
+                      </a:prstGeom>
+                    </p:spPr>
+                  </p:pic>
+                </p:oleObj>
+              </mc:Fallback>
+            </mc:AlternateContent>
+          </a:graphicData>
+        </a:graphic>
+      </p:graphicFrame>
+      <p:graphicFrame>
+        <p:nvGraphicFramePr>
+          <p:cNvPr id="20" name="对象 19"/>
+          <p:cNvGraphicFramePr>
+            <a:graphicFrameLocks noChangeAspect="1"/>
+          </p:cNvGraphicFramePr>
+          <p:nvPr>
+            <p:extLst>
+              <p:ext uri="{D42A27DB-BD31-4B8C-83A1-F6EECF244321}">
+                <p14:modId xmlns:p14="http://schemas.microsoft.com/office/powerpoint/2010/main" val="4073609913"/>
+              </p:ext>
+            </p:extLst>
+          </p:nvPr>
+        </p:nvGraphicFramePr>
+        <p:xfrm>
+          <a:off x="7223847" y="5501166"/>
+          <a:ext cx="190500" cy="209550"/>
+        </p:xfrm>
+        <a:graphic>
+          <a:graphicData uri="http://schemas.openxmlformats.org/presentationml/2006/ole">
+            <mc:AlternateContent xmlns:mc="http://schemas.openxmlformats.org/markup-compatibility/2006">
+              <mc:Choice xmlns:v="urn:schemas-microsoft-com:vml" Requires="v">
+                <p:oleObj spid="_x0000_s9285" name="Equation" r:id="rId11" imgW="126720" imgH="139680" progId="Equation.DSMT4">
+                  <p:embed/>
+                </p:oleObj>
+              </mc:Choice>
+              <mc:Fallback>
+                <p:oleObj name="Equation" r:id="rId11" imgW="126720" imgH="139680" progId="Equation.DSMT4">
+                  <p:embed/>
+                  <p:pic>
+                    <p:nvPicPr>
+                      <p:cNvPr id="0" name=""/>
+                      <p:cNvPicPr/>
+                      <p:nvPr/>
+                    </p:nvPicPr>
+                    <p:blipFill>
+                      <a:blip r:embed="rId12"/>
+                      <a:stretch>
+                        <a:fillRect/>
+                      </a:stretch>
+                    </p:blipFill>
+                    <p:spPr>
+                      <a:xfrm>
+                        <a:off x="7223847" y="5501166"/>
+                        <a:ext cx="190500" cy="209550"/>
+                      </a:xfrm>
+                      <a:prstGeom prst="rect">
+                        <a:avLst/>
+                      </a:prstGeom>
+                    </p:spPr>
+                  </p:pic>
+                </p:oleObj>
+              </mc:Fallback>
+            </mc:AlternateContent>
+          </a:graphicData>
+        </a:graphic>
+      </p:graphicFrame>
+      <p:sp>
+        <p:nvSpPr>
+          <p:cNvPr id="22" name="矩形 21"/>
+          <p:cNvSpPr/>
+          <p:nvPr/>
+        </p:nvSpPr>
+        <p:spPr>
+          <a:xfrm>
+            <a:off x="1014651" y="5765540"/>
+            <a:ext cx="6963369" cy="1015663"/>
+          </a:xfrm>
+          <a:prstGeom prst="rect">
+            <a:avLst/>
+          </a:prstGeom>
+        </p:spPr>
+        <p:style>
+          <a:lnRef idx="1">
+            <a:schemeClr val="accent3"/>
+          </a:lnRef>
+          <a:fillRef idx="3">
+            <a:schemeClr val="accent3"/>
+          </a:fillRef>
+          <a:effectRef idx="2">
+            <a:schemeClr val="accent3"/>
+          </a:effectRef>
+          <a:fontRef idx="minor">
+            <a:schemeClr val="lt1"/>
+          </a:fontRef>
+        </p:style>
+        <p:txBody>
+          <a:bodyPr wrap="square">
+            <a:spAutoFit/>
+          </a:bodyPr>
+          <a:lstStyle/>
+          <a:p>
+            <a:r>
+              <a:rPr lang="en-US" altLang="zh-CN" sz="1500" dirty="0">
+                <a:latin typeface="微软雅黑" panose="020B0503020204020204" pitchFamily="34" charset="-122"/>
+                <a:ea typeface="微软雅黑" panose="020B0503020204020204" pitchFamily="34" charset="-122"/>
+              </a:rPr>
+              <a:t>From left to right , the leaves of a parse tree </a:t>
+            </a:r>
+            <a:r>
+              <a:rPr lang="en-US" altLang="zh-CN" sz="1500" dirty="0" smtClean="0">
+                <a:latin typeface="微软雅黑" panose="020B0503020204020204" pitchFamily="34" charset="-122"/>
+                <a:ea typeface="微软雅黑" panose="020B0503020204020204" pitchFamily="34" charset="-122"/>
+              </a:rPr>
+              <a:t>form </a:t>
+            </a:r>
+            <a:r>
+              <a:rPr lang="en-US" altLang="zh-CN" sz="1500" dirty="0">
+                <a:latin typeface="微软雅黑" panose="020B0503020204020204" pitchFamily="34" charset="-122"/>
+                <a:ea typeface="微软雅黑" panose="020B0503020204020204" pitchFamily="34" charset="-122"/>
+              </a:rPr>
+              <a:t>the </a:t>
+            </a:r>
+            <a:r>
+              <a:rPr lang="en-US" altLang="zh-CN" sz="1500" b="1" i="1" dirty="0">
+                <a:solidFill>
+                  <a:srgbClr val="00B050"/>
+                </a:solidFill>
+                <a:latin typeface="微软雅黑" panose="020B0503020204020204" pitchFamily="34" charset="-122"/>
+                <a:ea typeface="微软雅黑" panose="020B0503020204020204" pitchFamily="34" charset="-122"/>
+              </a:rPr>
+              <a:t>yield</a:t>
+            </a:r>
+            <a:r>
+              <a:rPr lang="en-US" altLang="zh-CN" sz="1500" dirty="0">
+                <a:latin typeface="微软雅黑" panose="020B0503020204020204" pitchFamily="34" charset="-122"/>
+                <a:ea typeface="微软雅黑" panose="020B0503020204020204" pitchFamily="34" charset="-122"/>
+              </a:rPr>
+              <a:t> of the tree , </a:t>
+            </a:r>
+            <a:r>
+              <a:rPr lang="en-US" altLang="zh-CN" sz="1500" dirty="0" smtClean="0">
+                <a:latin typeface="微软雅黑" panose="020B0503020204020204" pitchFamily="34" charset="-122"/>
+                <a:ea typeface="微软雅黑" panose="020B0503020204020204" pitchFamily="34" charset="-122"/>
+              </a:rPr>
+              <a:t>which is </a:t>
+            </a:r>
+            <a:r>
+              <a:rPr lang="en-US" altLang="zh-CN" sz="1500" dirty="0">
+                <a:latin typeface="微软雅黑" panose="020B0503020204020204" pitchFamily="34" charset="-122"/>
+                <a:ea typeface="微软雅黑" panose="020B0503020204020204" pitchFamily="34" charset="-122"/>
+              </a:rPr>
+              <a:t>the string </a:t>
+            </a:r>
+            <a:r>
+              <a:rPr lang="en-US" altLang="zh-CN" sz="1500" b="1" i="1" dirty="0">
+                <a:solidFill>
+                  <a:srgbClr val="00B050"/>
+                </a:solidFill>
+                <a:latin typeface="微软雅黑" panose="020B0503020204020204" pitchFamily="34" charset="-122"/>
+                <a:ea typeface="微软雅黑" panose="020B0503020204020204" pitchFamily="34" charset="-122"/>
+              </a:rPr>
+              <a:t>generated</a:t>
+            </a:r>
+            <a:r>
+              <a:rPr lang="en-US" altLang="zh-CN" sz="1500" dirty="0">
+                <a:solidFill>
+                  <a:srgbClr val="00B050"/>
+                </a:solidFill>
+                <a:latin typeface="微软雅黑" panose="020B0503020204020204" pitchFamily="34" charset="-122"/>
+                <a:ea typeface="微软雅黑" panose="020B0503020204020204" pitchFamily="34" charset="-122"/>
+              </a:rPr>
+              <a:t> </a:t>
+            </a:r>
+            <a:r>
+              <a:rPr lang="en-US" altLang="zh-CN" sz="1500" dirty="0">
+                <a:latin typeface="微软雅黑" panose="020B0503020204020204" pitchFamily="34" charset="-122"/>
+                <a:ea typeface="微软雅黑" panose="020B0503020204020204" pitchFamily="34" charset="-122"/>
+              </a:rPr>
+              <a:t>or </a:t>
+            </a:r>
+            <a:r>
+              <a:rPr lang="en-US" altLang="zh-CN" sz="1500" b="1" i="1" dirty="0">
+                <a:solidFill>
+                  <a:srgbClr val="00B050"/>
+                </a:solidFill>
+                <a:latin typeface="微软雅黑" panose="020B0503020204020204" pitchFamily="34" charset="-122"/>
+                <a:ea typeface="微软雅黑" panose="020B0503020204020204" pitchFamily="34" charset="-122"/>
+              </a:rPr>
+              <a:t>derived</a:t>
+            </a:r>
+            <a:r>
+              <a:rPr lang="en-US" altLang="zh-CN" sz="1500" dirty="0">
+                <a:latin typeface="微软雅黑" panose="020B0503020204020204" pitchFamily="34" charset="-122"/>
+                <a:ea typeface="微软雅黑" panose="020B0503020204020204" pitchFamily="34" charset="-122"/>
+              </a:rPr>
+              <a:t> from the nonterminal at the root of the </a:t>
+            </a:r>
+            <a:r>
+              <a:rPr lang="en-US" altLang="zh-CN" sz="1500" dirty="0" smtClean="0">
+                <a:latin typeface="微软雅黑" panose="020B0503020204020204" pitchFamily="34" charset="-122"/>
+                <a:ea typeface="微软雅黑" panose="020B0503020204020204" pitchFamily="34" charset="-122"/>
+              </a:rPr>
+              <a:t>parse </a:t>
+            </a:r>
+            <a:r>
+              <a:rPr lang="en-US" altLang="zh-CN" sz="1500" dirty="0">
+                <a:latin typeface="微软雅黑" panose="020B0503020204020204" pitchFamily="34" charset="-122"/>
+                <a:ea typeface="微软雅黑" panose="020B0503020204020204" pitchFamily="34" charset="-122"/>
+              </a:rPr>
+              <a:t>tree. The process of finding a </a:t>
+            </a:r>
+            <a:r>
+              <a:rPr lang="en-US" altLang="zh-CN" sz="1500" dirty="0" smtClean="0">
+                <a:latin typeface="微软雅黑" panose="020B0503020204020204" pitchFamily="34" charset="-122"/>
+                <a:ea typeface="微软雅黑" panose="020B0503020204020204" pitchFamily="34" charset="-122"/>
+              </a:rPr>
+              <a:t>parse tree </a:t>
+            </a:r>
+            <a:r>
+              <a:rPr lang="en-US" altLang="zh-CN" sz="1500" dirty="0">
+                <a:latin typeface="微软雅黑" panose="020B0503020204020204" pitchFamily="34" charset="-122"/>
+                <a:ea typeface="微软雅黑" panose="020B0503020204020204" pitchFamily="34" charset="-122"/>
+              </a:rPr>
+              <a:t>for a given string of terminals is called </a:t>
+            </a:r>
+            <a:r>
+              <a:rPr lang="en-US" altLang="zh-CN" sz="1500" b="1" i="1" dirty="0">
+                <a:solidFill>
+                  <a:srgbClr val="00B050"/>
+                </a:solidFill>
+                <a:latin typeface="微软雅黑" panose="020B0503020204020204" pitchFamily="34" charset="-122"/>
+                <a:ea typeface="微软雅黑" panose="020B0503020204020204" pitchFamily="34" charset="-122"/>
+              </a:rPr>
+              <a:t>parsing</a:t>
+            </a:r>
+            <a:r>
+              <a:rPr lang="en-US" altLang="zh-CN" sz="1500" dirty="0">
+                <a:latin typeface="微软雅黑" panose="020B0503020204020204" pitchFamily="34" charset="-122"/>
+                <a:ea typeface="微软雅黑" panose="020B0503020204020204" pitchFamily="34" charset="-122"/>
+              </a:rPr>
+              <a:t> that string.</a:t>
+            </a:r>
+            <a:endParaRPr lang="zh-CN" altLang="en-US" sz="1500" dirty="0">
+              <a:latin typeface="微软雅黑" panose="020B0503020204020204" pitchFamily="34" charset="-122"/>
+              <a:ea typeface="微软雅黑" panose="020B0503020204020204" pitchFamily="34" charset="-122"/>
+            </a:endParaRPr>
+          </a:p>
+        </p:txBody>
+      </p:sp>
+    </p:spTree>
+    <p:extLst>
+      <p:ext uri="{BB962C8B-B14F-4D97-AF65-F5344CB8AC3E}">
+        <p14:creationId xmlns:p14="http://schemas.microsoft.com/office/powerpoint/2010/main" val="636536792"/>
+      </p:ext>
+    </p:extLst>
+  </p:cSld>
+  <p:clrMapOvr>
+    <a:masterClrMapping/>
+  </p:clrMapOvr>
+  <mc:AlternateContent xmlns:mc="http://schemas.openxmlformats.org/markup-compatibility/2006" xmlns:p14="http://schemas.microsoft.com/office/powerpoint/2010/main">
+    <mc:Choice Requires="p14">
+      <p:transition spd="med" p14:dur="700">
+        <p:fade/>
+      </p:transition>
+    </mc:Choice>
+    <mc:Fallback xmlns="">
+      <p:transition spd="med">
+        <p:fade/>
+      </p:transition>
+    </mc:Fallback>
+  </mc:AlternateContent>
+</p:sld>
+</file>
+
+<file path=ppt/slides/slide12.xml><?xml version="1.0" encoding="utf-8"?>
+<p:sld xmlns:a="http://schemas.openxmlformats.org/drawingml/2006/main" xmlns:r="http://schemas.openxmlformats.org/officeDocument/2006/relationships" xmlns:p="http://schemas.openxmlformats.org/presentationml/2006/main">
+  <p:cSld>
+    <p:spTree>
+      <p:nvGrpSpPr>
+        <p:cNvPr id="1" name=""/>
+        <p:cNvGrpSpPr/>
+        <p:nvPr/>
+      </p:nvGrpSpPr>
+      <p:grpSpPr>
+        <a:xfrm>
+          <a:off x="0" y="0"/>
+          <a:ext cx="0" cy="0"/>
+          <a:chOff x="0" y="0"/>
+          <a:chExt cx="0" cy="0"/>
+        </a:xfrm>
+      </p:grpSpPr>
+      <p:sp>
+        <p:nvSpPr>
+          <p:cNvPr id="2" name="标题 1"/>
+          <p:cNvSpPr>
+            <a:spLocks noGrp="1"/>
+          </p:cNvSpPr>
+          <p:nvPr>
+            <p:ph type="title"/>
+          </p:nvPr>
+        </p:nvSpPr>
+        <p:spPr/>
+        <p:txBody>
+          <a:bodyPr/>
+          <a:lstStyle/>
+          <a:p>
+            <a:r>
+              <a:rPr lang="en-US" altLang="zh-CN" dirty="0" smtClean="0"/>
+              <a:t>Ambiguity</a:t>
+            </a:r>
+            <a:endParaRPr lang="zh-CN" altLang="en-US" dirty="0"/>
+          </a:p>
+        </p:txBody>
+      </p:sp>
+      <p:sp>
+        <p:nvSpPr>
+          <p:cNvPr id="3" name="内容占位符 2"/>
+          <p:cNvSpPr>
+            <a:spLocks noGrp="1"/>
+          </p:cNvSpPr>
+          <p:nvPr>
+            <p:ph idx="1"/>
+          </p:nvPr>
+        </p:nvSpPr>
+        <p:spPr>
+          <a:xfrm>
+            <a:off x="828675" y="1600200"/>
+            <a:ext cx="7486650" cy="852055"/>
+          </a:xfrm>
+        </p:spPr>
+        <p:txBody>
+          <a:bodyPr>
+            <a:normAutofit lnSpcReduction="10000"/>
+          </a:bodyPr>
+          <a:lstStyle/>
+          <a:p>
+            <a:r>
+              <a:rPr lang="en-US" altLang="zh-CN" sz="2000" dirty="0"/>
+              <a:t>A grammar can have </a:t>
+            </a:r>
+            <a:r>
+              <a:rPr lang="en-US" altLang="zh-CN" sz="2000" dirty="0">
+                <a:solidFill>
+                  <a:srgbClr val="FF0000"/>
+                </a:solidFill>
+              </a:rPr>
+              <a:t>more than one </a:t>
+            </a:r>
+            <a:r>
+              <a:rPr lang="en-US" altLang="zh-CN" sz="2000" dirty="0"/>
+              <a:t>parse tree generating a </a:t>
+            </a:r>
+            <a:r>
+              <a:rPr lang="en-US" altLang="zh-CN" sz="2000" dirty="0" smtClean="0"/>
+              <a:t>given string </a:t>
+            </a:r>
+            <a:r>
+              <a:rPr lang="en-US" altLang="zh-CN" sz="2000" dirty="0"/>
+              <a:t>of terminals. Such a grammar is said to be ambiguous. </a:t>
+            </a:r>
+            <a:endParaRPr lang="zh-CN" altLang="en-US" sz="2000" dirty="0"/>
+          </a:p>
+        </p:txBody>
+      </p:sp>
+      <p:pic>
+        <p:nvPicPr>
+          <p:cNvPr id="4" name="图片 3"/>
+          <p:cNvPicPr>
+            <a:picLocks noChangeAspect="1"/>
+          </p:cNvPicPr>
+          <p:nvPr/>
+        </p:nvPicPr>
+        <p:blipFill>
+          <a:blip r:embed="rId2"/>
+          <a:stretch>
+            <a:fillRect/>
+          </a:stretch>
+        </p:blipFill>
+        <p:spPr>
+          <a:xfrm>
+            <a:off x="923711" y="2654629"/>
+            <a:ext cx="7390476" cy="2961905"/>
+          </a:xfrm>
+          <a:prstGeom prst="rect">
+            <a:avLst/>
+          </a:prstGeom>
+        </p:spPr>
+      </p:pic>
+      <p:sp>
+        <p:nvSpPr>
+          <p:cNvPr id="5" name="内容占位符 2"/>
+          <p:cNvSpPr txBox="1">
+            <a:spLocks/>
+          </p:cNvSpPr>
+          <p:nvPr/>
+        </p:nvSpPr>
+        <p:spPr>
+          <a:xfrm>
+            <a:off x="827537" y="5616534"/>
+            <a:ext cx="7486650" cy="1054429"/>
+          </a:xfrm>
+          <a:prstGeom prst="rect">
+            <a:avLst/>
+          </a:prstGeom>
+        </p:spPr>
+        <p:txBody>
+          <a:bodyPr vert="horz" lIns="0" tIns="45720" rIns="0" bIns="45720" rtlCol="0">
+            <a:normAutofit fontScale="92500" lnSpcReduction="10000"/>
+          </a:bodyPr>
+          <a:lstStyle>
+            <a:lvl1pPr marL="171450" indent="-171450" algn="l" defTabSz="685800" rtl="0" eaLnBrk="1" latinLnBrk="0" hangingPunct="1">
+              <a:lnSpc>
+                <a:spcPct val="90000"/>
+              </a:lnSpc>
+              <a:spcBef>
+                <a:spcPts val="1350"/>
+              </a:spcBef>
+              <a:buFont typeface="Wingdings" panose="05000000000000000000" pitchFamily="2" charset="2"/>
+              <a:buChar char="§"/>
+              <a:defRPr sz="1500" kern="1200">
+                <a:solidFill>
+                  <a:schemeClr val="tx1"/>
+                </a:solidFill>
+                <a:latin typeface="微软雅黑" panose="020B0503020204020204" pitchFamily="34" charset="-122"/>
+                <a:ea typeface="微软雅黑" panose="020B0503020204020204" pitchFamily="34" charset="-122"/>
+                <a:cs typeface="+mn-cs"/>
+              </a:defRPr>
+            </a:lvl1pPr>
+            <a:lvl2pPr marL="514350" indent="-171450" algn="l" defTabSz="685800" rtl="0" eaLnBrk="1" latinLnBrk="0" hangingPunct="1">
+              <a:lnSpc>
+                <a:spcPct val="90000"/>
+              </a:lnSpc>
+              <a:spcBef>
+                <a:spcPts val="450"/>
+              </a:spcBef>
+              <a:buFont typeface="Wingdings" panose="05000000000000000000" pitchFamily="2" charset="2"/>
+              <a:buChar char="§"/>
+              <a:defRPr sz="1200" kern="1200">
+                <a:solidFill>
+                  <a:schemeClr val="tx1"/>
+                </a:solidFill>
+                <a:latin typeface="微软雅黑" panose="020B0503020204020204" pitchFamily="34" charset="-122"/>
+                <a:ea typeface="微软雅黑" panose="020B0503020204020204" pitchFamily="34" charset="-122"/>
+                <a:cs typeface="+mn-cs"/>
+              </a:defRPr>
+            </a:lvl2pPr>
+            <a:lvl3pPr marL="857250" indent="-171450" algn="l" defTabSz="685800" rtl="0" eaLnBrk="1" latinLnBrk="0" hangingPunct="1">
+              <a:lnSpc>
+                <a:spcPct val="90000"/>
+              </a:lnSpc>
+              <a:spcBef>
+                <a:spcPts val="450"/>
+              </a:spcBef>
+              <a:buFont typeface="Wingdings" panose="05000000000000000000" pitchFamily="2" charset="2"/>
+              <a:buChar char="§"/>
+              <a:defRPr sz="1050" kern="1200">
+                <a:solidFill>
+                  <a:schemeClr val="tx1"/>
+                </a:solidFill>
+                <a:latin typeface="微软雅黑" panose="020B0503020204020204" pitchFamily="34" charset="-122"/>
+                <a:ea typeface="微软雅黑" panose="020B0503020204020204" pitchFamily="34" charset="-122"/>
+                <a:cs typeface="+mn-cs"/>
+              </a:defRPr>
+            </a:lvl3pPr>
+            <a:lvl4pPr marL="1200150" indent="-171450" algn="l" defTabSz="685800" rtl="0" eaLnBrk="1" latinLnBrk="0" hangingPunct="1">
+              <a:lnSpc>
+                <a:spcPct val="90000"/>
+              </a:lnSpc>
+              <a:spcBef>
+                <a:spcPts val="450"/>
+              </a:spcBef>
+              <a:buFont typeface="Wingdings" panose="05000000000000000000" pitchFamily="2" charset="2"/>
+              <a:buChar char="§"/>
+              <a:defRPr sz="1050" kern="1200">
+                <a:solidFill>
+                  <a:schemeClr val="tx1"/>
+                </a:solidFill>
+                <a:latin typeface="微软雅黑" panose="020B0503020204020204" pitchFamily="34" charset="-122"/>
+                <a:ea typeface="微软雅黑" panose="020B0503020204020204" pitchFamily="34" charset="-122"/>
+                <a:cs typeface="+mn-cs"/>
+              </a:defRPr>
+            </a:lvl4pPr>
+            <a:lvl5pPr marL="1543050" indent="-171450" algn="l" defTabSz="685800" rtl="0" eaLnBrk="1" latinLnBrk="0" hangingPunct="1">
+              <a:lnSpc>
+                <a:spcPct val="90000"/>
+              </a:lnSpc>
+              <a:spcBef>
+                <a:spcPts val="450"/>
+              </a:spcBef>
+              <a:buFont typeface="Wingdings" panose="05000000000000000000" pitchFamily="2" charset="2"/>
+              <a:buChar char="§"/>
+              <a:defRPr sz="1050" kern="1200">
+                <a:solidFill>
+                  <a:schemeClr val="tx1"/>
+                </a:solidFill>
+                <a:latin typeface="微软雅黑" panose="020B0503020204020204" pitchFamily="34" charset="-122"/>
+                <a:ea typeface="微软雅黑" panose="020B0503020204020204" pitchFamily="34" charset="-122"/>
+                <a:cs typeface="+mn-cs"/>
+              </a:defRPr>
+            </a:lvl5pPr>
+            <a:lvl6pPr marL="1885950" indent="-171450" algn="l" defTabSz="685800" rtl="0" eaLnBrk="1" latinLnBrk="0" hangingPunct="1">
+              <a:lnSpc>
+                <a:spcPct val="90000"/>
+              </a:lnSpc>
+              <a:spcBef>
+                <a:spcPts val="375"/>
+              </a:spcBef>
+              <a:buFont typeface="Wingdings" panose="05000000000000000000" pitchFamily="2" charset="2"/>
+              <a:buChar char="§"/>
+              <a:defRPr sz="1050" kern="1200">
+                <a:solidFill>
+                  <a:schemeClr val="tx1"/>
+                </a:solidFill>
+                <a:latin typeface="微软雅黑" panose="020B0503020204020204" pitchFamily="34" charset="-122"/>
+                <a:ea typeface="微软雅黑" panose="020B0503020204020204" pitchFamily="34" charset="-122"/>
+                <a:cs typeface="+mn-cs"/>
+              </a:defRPr>
+            </a:lvl6pPr>
+            <a:lvl7pPr marL="2228850" indent="-171450" algn="l" defTabSz="685800" rtl="0" eaLnBrk="1" latinLnBrk="0" hangingPunct="1">
+              <a:lnSpc>
+                <a:spcPct val="90000"/>
+              </a:lnSpc>
+              <a:spcBef>
+                <a:spcPts val="375"/>
+              </a:spcBef>
+              <a:buFont typeface="Wingdings" panose="05000000000000000000" pitchFamily="2" charset="2"/>
+              <a:buChar char="§"/>
+              <a:defRPr sz="1050" kern="1200">
+                <a:solidFill>
+                  <a:schemeClr val="tx1"/>
+                </a:solidFill>
+                <a:latin typeface="微软雅黑" panose="020B0503020204020204" pitchFamily="34" charset="-122"/>
+                <a:ea typeface="微软雅黑" panose="020B0503020204020204" pitchFamily="34" charset="-122"/>
+                <a:cs typeface="+mn-cs"/>
+              </a:defRPr>
+            </a:lvl7pPr>
+            <a:lvl8pPr marL="2571750" indent="-171450" algn="l" defTabSz="685800" rtl="0" eaLnBrk="1" latinLnBrk="0" hangingPunct="1">
+              <a:lnSpc>
+                <a:spcPct val="90000"/>
+              </a:lnSpc>
+              <a:spcBef>
+                <a:spcPts val="375"/>
+              </a:spcBef>
+              <a:buFont typeface="Wingdings" panose="05000000000000000000" pitchFamily="2" charset="2"/>
+              <a:buChar char="§"/>
+              <a:defRPr sz="1050" kern="1200">
+                <a:solidFill>
+                  <a:schemeClr val="tx1"/>
+                </a:solidFill>
+                <a:latin typeface="微软雅黑" panose="020B0503020204020204" pitchFamily="34" charset="-122"/>
+                <a:ea typeface="微软雅黑" panose="020B0503020204020204" pitchFamily="34" charset="-122"/>
+                <a:cs typeface="+mn-cs"/>
+              </a:defRPr>
+            </a:lvl8pPr>
+            <a:lvl9pPr marL="2914650" indent="-171450" algn="l" defTabSz="685800" rtl="0" eaLnBrk="1" latinLnBrk="0" hangingPunct="1">
+              <a:lnSpc>
+                <a:spcPct val="90000"/>
+              </a:lnSpc>
+              <a:spcBef>
+                <a:spcPts val="375"/>
+              </a:spcBef>
+              <a:buFont typeface="Wingdings" panose="05000000000000000000" pitchFamily="2" charset="2"/>
+              <a:buChar char="§"/>
+              <a:defRPr sz="1050" kern="1200">
+                <a:solidFill>
+                  <a:schemeClr val="tx1"/>
+                </a:solidFill>
+                <a:latin typeface="微软雅黑" panose="020B0503020204020204" pitchFamily="34" charset="-122"/>
+                <a:ea typeface="微软雅黑" panose="020B0503020204020204" pitchFamily="34" charset="-122"/>
+                <a:cs typeface="+mn-cs"/>
+              </a:defRPr>
+            </a:lvl9pPr>
+          </a:lstStyle>
+          <a:p>
+            <a:pPr marL="0" indent="0">
+              <a:buNone/>
+            </a:pPr>
+            <a:r>
+              <a:rPr lang="en-US" altLang="zh-CN" sz="2000" dirty="0" smtClean="0"/>
+              <a:t>Since </a:t>
+            </a:r>
+            <a:r>
+              <a:rPr lang="en-US" altLang="zh-CN" sz="2000" dirty="0"/>
+              <a:t>a string with more than one parse </a:t>
+            </a:r>
+            <a:r>
+              <a:rPr lang="en-US" altLang="zh-CN" sz="2000" dirty="0" smtClean="0"/>
+              <a:t>tree usually </a:t>
+            </a:r>
+            <a:r>
+              <a:rPr lang="en-US" altLang="zh-CN" sz="2000" dirty="0"/>
+              <a:t>has more than one meaning, we need to design unambiguous </a:t>
+            </a:r>
+            <a:r>
+              <a:rPr lang="en-US" altLang="zh-CN" sz="2000" dirty="0" smtClean="0"/>
+              <a:t>grammars for </a:t>
+            </a:r>
+            <a:r>
+              <a:rPr lang="en-US" altLang="zh-CN" sz="2000" dirty="0"/>
+              <a:t>compiling applications, or to use ambiguous grammars with additional </a:t>
+            </a:r>
+            <a:r>
+              <a:rPr lang="en-US" altLang="zh-CN" sz="2000" dirty="0" smtClean="0"/>
+              <a:t>rules to </a:t>
+            </a:r>
+            <a:r>
+              <a:rPr lang="en-US" altLang="zh-CN" sz="2000" dirty="0"/>
+              <a:t>resolve the </a:t>
+            </a:r>
+            <a:r>
+              <a:rPr lang="en-US" altLang="zh-CN" sz="2000" dirty="0" smtClean="0"/>
+              <a:t>ambiguities.</a:t>
+            </a:r>
+            <a:endParaRPr lang="zh-CN" altLang="en-US" sz="2000" dirty="0"/>
+          </a:p>
+        </p:txBody>
+      </p:sp>
+    </p:spTree>
+    <p:extLst>
+      <p:ext uri="{BB962C8B-B14F-4D97-AF65-F5344CB8AC3E}">
+        <p14:creationId xmlns:p14="http://schemas.microsoft.com/office/powerpoint/2010/main" val="2597157217"/>
+      </p:ext>
+    </p:extLst>
+  </p:cSld>
+  <p:clrMapOvr>
+    <a:masterClrMapping/>
+  </p:clrMapOvr>
+  <mc:AlternateContent xmlns:mc="http://schemas.openxmlformats.org/markup-compatibility/2006" xmlns:p14="http://schemas.microsoft.com/office/powerpoint/2010/main">
+    <mc:Choice Requires="p14">
+      <p:transition spd="med" p14:dur="700">
+        <p:fade/>
+      </p:transition>
+    </mc:Choice>
+    <mc:Fallback xmlns="">
+      <p:transition spd="med">
+        <p:fade/>
+      </p:transition>
+    </mc:Fallback>
+  </mc:AlternateContent>
+</p:sld>
+</file>
+
+<file path=ppt/slides/slide13.xml><?xml version="1.0" encoding="utf-8"?>
+<p:sld xmlns:a="http://schemas.openxmlformats.org/drawingml/2006/main" xmlns:r="http://schemas.openxmlformats.org/officeDocument/2006/relationships" xmlns:p="http://schemas.openxmlformats.org/presentationml/2006/main">
+  <p:cSld>
+    <p:spTree>
+      <p:nvGrpSpPr>
+        <p:cNvPr id="1" name=""/>
+        <p:cNvGrpSpPr/>
+        <p:nvPr/>
+      </p:nvGrpSpPr>
+      <p:grpSpPr>
+        <a:xfrm>
+          <a:off x="0" y="0"/>
+          <a:ext cx="0" cy="0"/>
+          <a:chOff x="0" y="0"/>
+          <a:chExt cx="0" cy="0"/>
+        </a:xfrm>
+      </p:grpSpPr>
+      <p:sp>
+        <p:nvSpPr>
+          <p:cNvPr id="2" name="标题 1"/>
+          <p:cNvSpPr>
+            <a:spLocks noGrp="1"/>
+          </p:cNvSpPr>
+          <p:nvPr>
+            <p:ph type="title"/>
+          </p:nvPr>
+        </p:nvSpPr>
+        <p:spPr/>
+        <p:txBody>
+          <a:bodyPr/>
+          <a:lstStyle/>
+          <a:p>
+            <a:r>
+              <a:rPr lang="en-US" altLang="zh-CN" dirty="0" smtClean="0"/>
               <a:t>An overview of formal languages</a:t>
             </a:r>
             <a:endParaRPr lang="zh-CN" altLang="en-US" dirty="0"/>
@@ -6348,7 +7902,7 @@
           <a:graphicData uri="http://schemas.openxmlformats.org/presentationml/2006/ole">
             <mc:AlternateContent xmlns:mc="http://schemas.openxmlformats.org/markup-compatibility/2006">
               <mc:Choice xmlns:v="urn:schemas-microsoft-com:vml" Requires="v">
-                <p:oleObj spid="_x0000_s8238" name="Equation" r:id="rId4" imgW="1117440" imgH="228600" progId="Equation.DSMT4">
+                <p:oleObj spid="_x0000_s8398" name="Equation" r:id="rId4" imgW="1117440" imgH="228600" progId="Equation.DSMT4">
                   <p:embed/>
                 </p:oleObj>
               </mc:Choice>
@@ -6405,7 +7959,7 @@
           <a:graphicData uri="http://schemas.openxmlformats.org/presentationml/2006/ole">
             <mc:AlternateContent xmlns:mc="http://schemas.openxmlformats.org/markup-compatibility/2006">
               <mc:Choice xmlns:v="urn:schemas-microsoft-com:vml" Requires="v">
-                <p:oleObj spid="_x0000_s8239" name="Equation" r:id="rId6" imgW="469800" imgH="203040" progId="Equation.DSMT4">
+                <p:oleObj spid="_x0000_s8399" name="Equation" r:id="rId6" imgW="469800" imgH="203040" progId="Equation.DSMT4">
                   <p:embed/>
                 </p:oleObj>
               </mc:Choice>
@@ -6462,7 +8016,7 @@
           <a:graphicData uri="http://schemas.openxmlformats.org/presentationml/2006/ole">
             <mc:AlternateContent xmlns:mc="http://schemas.openxmlformats.org/markup-compatibility/2006">
               <mc:Choice xmlns:v="urn:schemas-microsoft-com:vml" Requires="v">
-                <p:oleObj spid="_x0000_s8240" name="Equation" r:id="rId8" imgW="914400" imgH="241200" progId="Equation.DSMT4">
+                <p:oleObj spid="_x0000_s8400" name="Equation" r:id="rId8" imgW="914400" imgH="241200" progId="Equation.DSMT4">
                   <p:embed/>
                 </p:oleObj>
               </mc:Choice>
@@ -6519,7 +8073,7 @@
           <a:graphicData uri="http://schemas.openxmlformats.org/presentationml/2006/ole">
             <mc:AlternateContent xmlns:mc="http://schemas.openxmlformats.org/markup-compatibility/2006">
               <mc:Choice xmlns:v="urn:schemas-microsoft-com:vml" Requires="v">
-                <p:oleObj spid="_x0000_s8241" name="Equation" r:id="rId10" imgW="914400" imgH="241200" progId="Equation.DSMT4">
+                <p:oleObj spid="_x0000_s8401" name="Equation" r:id="rId10" imgW="914400" imgH="241200" progId="Equation.DSMT4">
                   <p:embed/>
                 </p:oleObj>
               </mc:Choice>
@@ -6576,7 +8130,7 @@
           <a:graphicData uri="http://schemas.openxmlformats.org/presentationml/2006/ole">
             <mc:AlternateContent xmlns:mc="http://schemas.openxmlformats.org/markup-compatibility/2006">
               <mc:Choice xmlns:v="urn:schemas-microsoft-com:vml" Requires="v">
-                <p:oleObj spid="_x0000_s8242" name="Equation" r:id="rId12" imgW="469800" imgH="203040" progId="Equation.DSMT4">
+                <p:oleObj spid="_x0000_s8402" name="Equation" r:id="rId12" imgW="469800" imgH="203040" progId="Equation.DSMT4">
                   <p:embed/>
                 </p:oleObj>
               </mc:Choice>
@@ -6633,7 +8187,7 @@
           <a:graphicData uri="http://schemas.openxmlformats.org/presentationml/2006/ole">
             <mc:AlternateContent xmlns:mc="http://schemas.openxmlformats.org/markup-compatibility/2006">
               <mc:Choice xmlns:v="urn:schemas-microsoft-com:vml" Requires="v">
-                <p:oleObj spid="_x0000_s8243" name="Equation" r:id="rId13" imgW="558720" imgH="253800" progId="Equation.DSMT4">
+                <p:oleObj spid="_x0000_s8403" name="Equation" r:id="rId13" imgW="558720" imgH="253800" progId="Equation.DSMT4">
                   <p:embed/>
                 </p:oleObj>
               </mc:Choice>
@@ -6690,7 +8244,7 @@
           <a:graphicData uri="http://schemas.openxmlformats.org/presentationml/2006/ole">
             <mc:AlternateContent xmlns:mc="http://schemas.openxmlformats.org/markup-compatibility/2006">
               <mc:Choice xmlns:v="urn:schemas-microsoft-com:vml" Requires="v">
-                <p:oleObj spid="_x0000_s8244" name="Equation" r:id="rId15" imgW="431640" imgH="177480" progId="Equation.DSMT4">
+                <p:oleObj spid="_x0000_s8404" name="Equation" r:id="rId15" imgW="431640" imgH="177480" progId="Equation.DSMT4">
                   <p:embed/>
                 </p:oleObj>
               </mc:Choice>
@@ -6747,7 +8301,7 @@
           <a:graphicData uri="http://schemas.openxmlformats.org/presentationml/2006/ole">
             <mc:AlternateContent xmlns:mc="http://schemas.openxmlformats.org/markup-compatibility/2006">
               <mc:Choice xmlns:v="urn:schemas-microsoft-com:vml" Requires="v">
-                <p:oleObj spid="_x0000_s8245" name="Equation" r:id="rId17" imgW="1866600" imgH="241200" progId="Equation.DSMT4">
+                <p:oleObj spid="_x0000_s8405" name="Equation" r:id="rId17" imgW="1866600" imgH="241200" progId="Equation.DSMT4">
                   <p:embed/>
                 </p:oleObj>
               </mc:Choice>
@@ -6804,7 +8358,7 @@
           <a:graphicData uri="http://schemas.openxmlformats.org/presentationml/2006/ole">
             <mc:AlternateContent xmlns:mc="http://schemas.openxmlformats.org/markup-compatibility/2006">
               <mc:Choice xmlns:v="urn:schemas-microsoft-com:vml" Requires="v">
-                <p:oleObj spid="_x0000_s8246" name="Equation" r:id="rId19" imgW="2247840" imgH="241200" progId="Equation.DSMT4">
+                <p:oleObj spid="_x0000_s8406" name="Equation" r:id="rId19" imgW="2247840" imgH="241200" progId="Equation.DSMT4">
                   <p:embed/>
                 </p:oleObj>
               </mc:Choice>
@@ -6861,7 +8415,7 @@
           <a:graphicData uri="http://schemas.openxmlformats.org/presentationml/2006/ole">
             <mc:AlternateContent xmlns:mc="http://schemas.openxmlformats.org/markup-compatibility/2006">
               <mc:Choice xmlns:v="urn:schemas-microsoft-com:vml" Requires="v">
-                <p:oleObj spid="_x0000_s8247" name="Equation" r:id="rId21" imgW="2247840" imgH="241200" progId="Equation.DSMT4">
+                <p:oleObj spid="_x0000_s8407" name="Equation" r:id="rId21" imgW="2247840" imgH="241200" progId="Equation.DSMT4">
                   <p:embed/>
                 </p:oleObj>
               </mc:Choice>
@@ -6963,6 +8517,783 @@
 </p:sld>
 </file>
 
+<file path=ppt/slides/slide14.xml><?xml version="1.0" encoding="utf-8"?>
+<p:sld xmlns:a="http://schemas.openxmlformats.org/drawingml/2006/main" xmlns:r="http://schemas.openxmlformats.org/officeDocument/2006/relationships" xmlns:p="http://schemas.openxmlformats.org/presentationml/2006/main">
+  <p:cSld>
+    <p:spTree>
+      <p:nvGrpSpPr>
+        <p:cNvPr id="1" name=""/>
+        <p:cNvGrpSpPr/>
+        <p:nvPr/>
+      </p:nvGrpSpPr>
+      <p:grpSpPr>
+        <a:xfrm>
+          <a:off x="0" y="0"/>
+          <a:ext cx="0" cy="0"/>
+          <a:chOff x="0" y="0"/>
+          <a:chExt cx="0" cy="0"/>
+        </a:xfrm>
+      </p:grpSpPr>
+      <p:sp>
+        <p:nvSpPr>
+          <p:cNvPr id="2" name="标题 1"/>
+          <p:cNvSpPr>
+            <a:spLocks noGrp="1"/>
+          </p:cNvSpPr>
+          <p:nvPr>
+            <p:ph type="title"/>
+          </p:nvPr>
+        </p:nvSpPr>
+        <p:spPr/>
+        <p:txBody>
+          <a:bodyPr/>
+          <a:lstStyle/>
+          <a:p>
+            <a:r>
+              <a:rPr lang="en-US" altLang="zh-CN" dirty="0" smtClean="0"/>
+              <a:t>Homework</a:t>
+            </a:r>
+            <a:endParaRPr lang="zh-CN" altLang="en-US" dirty="0"/>
+          </a:p>
+        </p:txBody>
+      </p:sp>
+      <p:graphicFrame>
+        <p:nvGraphicFramePr>
+          <p:cNvPr id="4" name="对象 3"/>
+          <p:cNvGraphicFramePr>
+            <a:graphicFrameLocks noChangeAspect="1"/>
+          </p:cNvGraphicFramePr>
+          <p:nvPr>
+            <p:extLst>
+              <p:ext uri="{D42A27DB-BD31-4B8C-83A1-F6EECF244321}">
+                <p14:modId xmlns:p14="http://schemas.microsoft.com/office/powerpoint/2010/main" val="230484073"/>
+              </p:ext>
+            </p:extLst>
+          </p:nvPr>
+        </p:nvGraphicFramePr>
+        <p:xfrm>
+          <a:off x="1716232" y="1883263"/>
+          <a:ext cx="2114692" cy="506645"/>
+        </p:xfrm>
+        <a:graphic>
+          <a:graphicData uri="http://schemas.openxmlformats.org/presentationml/2006/ole">
+            <mc:AlternateContent xmlns:mc="http://schemas.openxmlformats.org/markup-compatibility/2006">
+              <mc:Choice xmlns:v="urn:schemas-microsoft-com:vml" Requires="v">
+                <p:oleObj spid="_x0000_s10257" name="Equation" r:id="rId3" imgW="1828800" imgH="431800" progId="Equation.DSMT4">
+                  <p:embed/>
+                </p:oleObj>
+              </mc:Choice>
+              <mc:Fallback>
+                <p:oleObj name="Equation" r:id="rId3" imgW="1828800" imgH="431800" progId="Equation.DSMT4">
+                  <p:embed/>
+                  <p:pic>
+                    <p:nvPicPr>
+                      <p:cNvPr id="0" name="Object 2"/>
+                      <p:cNvPicPr>
+                        <a:picLocks noChangeAspect="1" noChangeArrowheads="1"/>
+                      </p:cNvPicPr>
+                      <p:nvPr/>
+                    </p:nvPicPr>
+                    <p:blipFill>
+                      <a:blip r:embed="rId4">
+                        <a:extLst>
+                          <a:ext uri="{28A0092B-C50C-407E-A947-70E740481C1C}">
+                            <a14:useLocalDpi xmlns:a14="http://schemas.microsoft.com/office/drawing/2010/main" val="0"/>
+                          </a:ext>
+                        </a:extLst>
+                      </a:blip>
+                      <a:srcRect/>
+                      <a:stretch>
+                        <a:fillRect/>
+                      </a:stretch>
+                    </p:blipFill>
+                    <p:spPr bwMode="auto">
+                      <a:xfrm>
+                        <a:off x="1716232" y="1883263"/>
+                        <a:ext cx="2114692" cy="506645"/>
+                      </a:xfrm>
+                      <a:prstGeom prst="rect">
+                        <a:avLst/>
+                      </a:prstGeom>
+                      <a:noFill/>
+                    </p:spPr>
+                  </p:pic>
+                </p:oleObj>
+              </mc:Fallback>
+            </mc:AlternateContent>
+          </a:graphicData>
+        </a:graphic>
+      </p:graphicFrame>
+      <p:graphicFrame>
+        <p:nvGraphicFramePr>
+          <p:cNvPr id="5" name="对象 4"/>
+          <p:cNvGraphicFramePr>
+            <a:graphicFrameLocks noChangeAspect="1"/>
+          </p:cNvGraphicFramePr>
+          <p:nvPr>
+            <p:extLst>
+              <p:ext uri="{D42A27DB-BD31-4B8C-83A1-F6EECF244321}">
+                <p14:modId xmlns:p14="http://schemas.microsoft.com/office/powerpoint/2010/main" val="292551486"/>
+              </p:ext>
+            </p:extLst>
+          </p:nvPr>
+        </p:nvGraphicFramePr>
+        <p:xfrm>
+          <a:off x="2542451" y="5263149"/>
+          <a:ext cx="2296846" cy="1438988"/>
+        </p:xfrm>
+        <a:graphic>
+          <a:graphicData uri="http://schemas.openxmlformats.org/presentationml/2006/ole">
+            <mc:AlternateContent xmlns:mc="http://schemas.openxmlformats.org/markup-compatibility/2006">
+              <mc:Choice xmlns:v="urn:schemas-microsoft-com:vml" Requires="v">
+                <p:oleObj spid="_x0000_s10258" name="Equation" r:id="rId5" imgW="1587500" imgH="990600" progId="Equation.DSMT4">
+                  <p:embed/>
+                </p:oleObj>
+              </mc:Choice>
+              <mc:Fallback>
+                <p:oleObj name="Equation" r:id="rId5" imgW="1587500" imgH="990600" progId="Equation.DSMT4">
+                  <p:embed/>
+                  <p:pic>
+                    <p:nvPicPr>
+                      <p:cNvPr id="0" name="Object 1"/>
+                      <p:cNvPicPr>
+                        <a:picLocks noChangeAspect="1" noChangeArrowheads="1"/>
+                      </p:cNvPicPr>
+                      <p:nvPr/>
+                    </p:nvPicPr>
+                    <p:blipFill>
+                      <a:blip r:embed="rId6">
+                        <a:extLst>
+                          <a:ext uri="{28A0092B-C50C-407E-A947-70E740481C1C}">
+                            <a14:useLocalDpi xmlns:a14="http://schemas.microsoft.com/office/drawing/2010/main" val="0"/>
+                          </a:ext>
+                        </a:extLst>
+                      </a:blip>
+                      <a:srcRect/>
+                      <a:stretch>
+                        <a:fillRect/>
+                      </a:stretch>
+                    </p:blipFill>
+                    <p:spPr bwMode="auto">
+                      <a:xfrm>
+                        <a:off x="2542451" y="5263149"/>
+                        <a:ext cx="2296846" cy="1438988"/>
+                      </a:xfrm>
+                      <a:prstGeom prst="rect">
+                        <a:avLst/>
+                      </a:prstGeom>
+                      <a:noFill/>
+                    </p:spPr>
+                  </p:pic>
+                </p:oleObj>
+              </mc:Fallback>
+            </mc:AlternateContent>
+          </a:graphicData>
+        </a:graphic>
+      </p:graphicFrame>
+      <p:sp>
+        <p:nvSpPr>
+          <p:cNvPr id="6" name="Rectangle 3"/>
+          <p:cNvSpPr>
+            <a:spLocks noChangeArrowheads="1"/>
+          </p:cNvSpPr>
+          <p:nvPr/>
+        </p:nvSpPr>
+        <p:spPr bwMode="auto">
+          <a:xfrm>
+            <a:off x="828675" y="1430307"/>
+            <a:ext cx="3795280" cy="400110"/>
+          </a:xfrm>
+          <a:prstGeom prst="rect">
+            <a:avLst/>
+          </a:prstGeom>
+          <a:noFill/>
+          <a:ln>
+            <a:noFill/>
+          </a:ln>
+          <a:effectLst/>
+          <a:extLst>
+            <a:ext uri="{909E8E84-426E-40DD-AFC4-6F175D3DCCD1}">
+              <a14:hiddenFill xmlns:a14="http://schemas.microsoft.com/office/drawing/2010/main">
+                <a:solidFill>
+                  <a:schemeClr val="accent1"/>
+                </a:solidFill>
+              </a14:hiddenFill>
+            </a:ext>
+            <a:ext uri="{91240B29-F687-4F45-9708-019B960494DF}">
+              <a14:hiddenLine xmlns:a14="http://schemas.microsoft.com/office/drawing/2010/main" w="9525">
+                <a:solidFill>
+                  <a:schemeClr val="tx1"/>
+                </a:solidFill>
+                <a:miter lim="800000"/>
+                <a:headEnd/>
+                <a:tailEnd/>
+              </a14:hiddenLine>
+            </a:ext>
+            <a:ext uri="{AF507438-7753-43E0-B8FC-AC1667EBCBE1}">
+              <a14:hiddenEffects xmlns:a14="http://schemas.microsoft.com/office/drawing/2010/main">
+                <a:effectLst>
+                  <a:outerShdw dist="35921" dir="2700000" algn="ctr" rotWithShape="0">
+                    <a:schemeClr val="bg2"/>
+                  </a:outerShdw>
+                </a:effectLst>
+              </a14:hiddenEffects>
+            </a:ext>
+          </a:extLst>
+        </p:spPr>
+        <p:txBody>
+          <a:bodyPr vert="horz" wrap="square" lIns="91440" tIns="45720" rIns="91440" bIns="45720" numCol="1" anchor="ctr" anchorCtr="0" compatLnSpc="1">
+            <a:prstTxWarp prst="textNoShape">
+              <a:avLst/>
+            </a:prstTxWarp>
+            <a:spAutoFit/>
+          </a:bodyPr>
+          <a:lstStyle>
+            <a:lvl1pPr indent="266700" eaLnBrk="0" fontAlgn="base" hangingPunct="0">
+              <a:spcBef>
+                <a:spcPct val="0"/>
+              </a:spcBef>
+              <a:spcAft>
+                <a:spcPct val="0"/>
+              </a:spcAft>
+              <a:defRPr>
+                <a:solidFill>
+                  <a:schemeClr val="tx1"/>
+                </a:solidFill>
+                <a:latin typeface="Arial" panose="020B0604020202020204" pitchFamily="34" charset="0"/>
+              </a:defRPr>
+            </a:lvl1pPr>
+            <a:lvl2pPr eaLnBrk="0" fontAlgn="base" hangingPunct="0">
+              <a:spcBef>
+                <a:spcPct val="0"/>
+              </a:spcBef>
+              <a:spcAft>
+                <a:spcPct val="0"/>
+              </a:spcAft>
+              <a:defRPr>
+                <a:solidFill>
+                  <a:schemeClr val="tx1"/>
+                </a:solidFill>
+                <a:latin typeface="Arial" panose="020B0604020202020204" pitchFamily="34" charset="0"/>
+              </a:defRPr>
+            </a:lvl2pPr>
+            <a:lvl3pPr eaLnBrk="0" fontAlgn="base" hangingPunct="0">
+              <a:spcBef>
+                <a:spcPct val="0"/>
+              </a:spcBef>
+              <a:spcAft>
+                <a:spcPct val="0"/>
+              </a:spcAft>
+              <a:defRPr>
+                <a:solidFill>
+                  <a:schemeClr val="tx1"/>
+                </a:solidFill>
+                <a:latin typeface="Arial" panose="020B0604020202020204" pitchFamily="34" charset="0"/>
+              </a:defRPr>
+            </a:lvl3pPr>
+            <a:lvl4pPr eaLnBrk="0" fontAlgn="base" hangingPunct="0">
+              <a:spcBef>
+                <a:spcPct val="0"/>
+              </a:spcBef>
+              <a:spcAft>
+                <a:spcPct val="0"/>
+              </a:spcAft>
+              <a:defRPr>
+                <a:solidFill>
+                  <a:schemeClr val="tx1"/>
+                </a:solidFill>
+                <a:latin typeface="Arial" panose="020B0604020202020204" pitchFamily="34" charset="0"/>
+              </a:defRPr>
+            </a:lvl4pPr>
+            <a:lvl5pPr eaLnBrk="0" fontAlgn="base" hangingPunct="0">
+              <a:spcBef>
+                <a:spcPct val="0"/>
+              </a:spcBef>
+              <a:spcAft>
+                <a:spcPct val="0"/>
+              </a:spcAft>
+              <a:defRPr>
+                <a:solidFill>
+                  <a:schemeClr val="tx1"/>
+                </a:solidFill>
+                <a:latin typeface="Arial" panose="020B0604020202020204" pitchFamily="34" charset="0"/>
+              </a:defRPr>
+            </a:lvl5pPr>
+            <a:lvl6pPr eaLnBrk="0" fontAlgn="base" hangingPunct="0">
+              <a:spcBef>
+                <a:spcPct val="0"/>
+              </a:spcBef>
+              <a:spcAft>
+                <a:spcPct val="0"/>
+              </a:spcAft>
+              <a:defRPr>
+                <a:solidFill>
+                  <a:schemeClr val="tx1"/>
+                </a:solidFill>
+                <a:latin typeface="Arial" panose="020B0604020202020204" pitchFamily="34" charset="0"/>
+              </a:defRPr>
+            </a:lvl6pPr>
+            <a:lvl7pPr eaLnBrk="0" fontAlgn="base" hangingPunct="0">
+              <a:spcBef>
+                <a:spcPct val="0"/>
+              </a:spcBef>
+              <a:spcAft>
+                <a:spcPct val="0"/>
+              </a:spcAft>
+              <a:defRPr>
+                <a:solidFill>
+                  <a:schemeClr val="tx1"/>
+                </a:solidFill>
+                <a:latin typeface="Arial" panose="020B0604020202020204" pitchFamily="34" charset="0"/>
+              </a:defRPr>
+            </a:lvl7pPr>
+            <a:lvl8pPr eaLnBrk="0" fontAlgn="base" hangingPunct="0">
+              <a:spcBef>
+                <a:spcPct val="0"/>
+              </a:spcBef>
+              <a:spcAft>
+                <a:spcPct val="0"/>
+              </a:spcAft>
+              <a:defRPr>
+                <a:solidFill>
+                  <a:schemeClr val="tx1"/>
+                </a:solidFill>
+                <a:latin typeface="Arial" panose="020B0604020202020204" pitchFamily="34" charset="0"/>
+              </a:defRPr>
+            </a:lvl8pPr>
+            <a:lvl9pPr eaLnBrk="0" fontAlgn="base" hangingPunct="0">
+              <a:spcBef>
+                <a:spcPct val="0"/>
+              </a:spcBef>
+              <a:spcAft>
+                <a:spcPct val="0"/>
+              </a:spcAft>
+              <a:defRPr>
+                <a:solidFill>
+                  <a:schemeClr val="tx1"/>
+                </a:solidFill>
+                <a:latin typeface="Arial" panose="020B0604020202020204" pitchFamily="34" charset="0"/>
+              </a:defRPr>
+            </a:lvl9pPr>
+          </a:lstStyle>
+          <a:p>
+            <a:pPr marR="0" lvl="0" indent="0" algn="l" defTabSz="914400" rtl="0" eaLnBrk="0" fontAlgn="base" latinLnBrk="0" hangingPunct="0">
+              <a:lnSpc>
+                <a:spcPct val="100000"/>
+              </a:lnSpc>
+              <a:spcBef>
+                <a:spcPct val="0"/>
+              </a:spcBef>
+              <a:spcAft>
+                <a:spcPct val="0"/>
+              </a:spcAft>
+              <a:buClrTx/>
+              <a:buSzTx/>
+              <a:tabLst/>
+            </a:pPr>
+            <a:r>
+              <a:rPr kumimoji="0" lang="en-US" altLang="zh-CN" sz="2000" b="0" i="0" u="none" strike="noStrike" cap="none" normalizeH="0" baseline="0" dirty="0" smtClean="0">
+                <a:ln>
+                  <a:noFill/>
+                </a:ln>
+                <a:solidFill>
+                  <a:schemeClr val="tx1"/>
+                </a:solidFill>
+                <a:effectLst/>
+                <a:latin typeface="等线" panose="02010600030101010101" pitchFamily="2" charset="-122"/>
+                <a:ea typeface="等线" panose="02010600030101010101" pitchFamily="2" charset="-122"/>
+                <a:cs typeface="Times New Roman" panose="02020603050405020304" pitchFamily="18" charset="0"/>
+              </a:rPr>
+              <a:t>(1) Grammar G is</a:t>
+            </a:r>
+            <a:endParaRPr kumimoji="0" lang="en-US" altLang="zh-CN" sz="2000" b="0" i="0" u="none" strike="noStrike" cap="none" normalizeH="0" baseline="0" dirty="0" smtClean="0">
+              <a:ln>
+                <a:noFill/>
+              </a:ln>
+              <a:solidFill>
+                <a:schemeClr val="tx1"/>
+              </a:solidFill>
+              <a:effectLst/>
+            </a:endParaRPr>
+          </a:p>
+        </p:txBody>
+      </p:sp>
+      <p:sp>
+        <p:nvSpPr>
+          <p:cNvPr id="7" name="Rectangle 4"/>
+          <p:cNvSpPr>
+            <a:spLocks noChangeArrowheads="1"/>
+          </p:cNvSpPr>
+          <p:nvPr/>
+        </p:nvSpPr>
+        <p:spPr bwMode="auto">
+          <a:xfrm>
+            <a:off x="789140" y="3481658"/>
+            <a:ext cx="7564582" cy="646331"/>
+          </a:xfrm>
+          <a:prstGeom prst="rect">
+            <a:avLst/>
+          </a:prstGeom>
+          <a:noFill/>
+          <a:ln>
+            <a:noFill/>
+          </a:ln>
+          <a:effectLst/>
+          <a:extLst>
+            <a:ext uri="{909E8E84-426E-40DD-AFC4-6F175D3DCCD1}">
+              <a14:hiddenFill xmlns:a14="http://schemas.microsoft.com/office/drawing/2010/main">
+                <a:solidFill>
+                  <a:schemeClr val="accent1"/>
+                </a:solidFill>
+              </a14:hiddenFill>
+            </a:ext>
+            <a:ext uri="{91240B29-F687-4F45-9708-019B960494DF}">
+              <a14:hiddenLine xmlns:a14="http://schemas.microsoft.com/office/drawing/2010/main" w="9525">
+                <a:solidFill>
+                  <a:schemeClr val="tx1"/>
+                </a:solidFill>
+                <a:miter lim="800000"/>
+                <a:headEnd/>
+                <a:tailEnd/>
+              </a14:hiddenLine>
+            </a:ext>
+            <a:ext uri="{AF507438-7753-43E0-B8FC-AC1667EBCBE1}">
+              <a14:hiddenEffects xmlns:a14="http://schemas.microsoft.com/office/drawing/2010/main">
+                <a:effectLst>
+                  <a:outerShdw dist="35921" dir="2700000" algn="ctr" rotWithShape="0">
+                    <a:schemeClr val="bg2"/>
+                  </a:outerShdw>
+                </a:effectLst>
+              </a14:hiddenEffects>
+            </a:ext>
+          </a:extLst>
+        </p:spPr>
+        <p:txBody>
+          <a:bodyPr vert="horz" wrap="square" lIns="91440" tIns="45720" rIns="91440" bIns="45720" numCol="1" anchor="ctr" anchorCtr="0" compatLnSpc="1">
+            <a:prstTxWarp prst="textNoShape">
+              <a:avLst/>
+            </a:prstTxWarp>
+            <a:spAutoFit/>
+          </a:bodyPr>
+          <a:lstStyle>
+            <a:lvl1pPr indent="266700" eaLnBrk="0" fontAlgn="base" hangingPunct="0">
+              <a:spcBef>
+                <a:spcPct val="0"/>
+              </a:spcBef>
+              <a:spcAft>
+                <a:spcPct val="0"/>
+              </a:spcAft>
+              <a:defRPr>
+                <a:solidFill>
+                  <a:schemeClr val="tx1"/>
+                </a:solidFill>
+                <a:latin typeface="Arial" panose="020B0604020202020204" pitchFamily="34" charset="0"/>
+              </a:defRPr>
+            </a:lvl1pPr>
+            <a:lvl2pPr eaLnBrk="0" fontAlgn="base" hangingPunct="0">
+              <a:spcBef>
+                <a:spcPct val="0"/>
+              </a:spcBef>
+              <a:spcAft>
+                <a:spcPct val="0"/>
+              </a:spcAft>
+              <a:defRPr>
+                <a:solidFill>
+                  <a:schemeClr val="tx1"/>
+                </a:solidFill>
+                <a:latin typeface="Arial" panose="020B0604020202020204" pitchFamily="34" charset="0"/>
+              </a:defRPr>
+            </a:lvl2pPr>
+            <a:lvl3pPr eaLnBrk="0" fontAlgn="base" hangingPunct="0">
+              <a:spcBef>
+                <a:spcPct val="0"/>
+              </a:spcBef>
+              <a:spcAft>
+                <a:spcPct val="0"/>
+              </a:spcAft>
+              <a:defRPr>
+                <a:solidFill>
+                  <a:schemeClr val="tx1"/>
+                </a:solidFill>
+                <a:latin typeface="Arial" panose="020B0604020202020204" pitchFamily="34" charset="0"/>
+              </a:defRPr>
+            </a:lvl3pPr>
+            <a:lvl4pPr eaLnBrk="0" fontAlgn="base" hangingPunct="0">
+              <a:spcBef>
+                <a:spcPct val="0"/>
+              </a:spcBef>
+              <a:spcAft>
+                <a:spcPct val="0"/>
+              </a:spcAft>
+              <a:defRPr>
+                <a:solidFill>
+                  <a:schemeClr val="tx1"/>
+                </a:solidFill>
+                <a:latin typeface="Arial" panose="020B0604020202020204" pitchFamily="34" charset="0"/>
+              </a:defRPr>
+            </a:lvl4pPr>
+            <a:lvl5pPr eaLnBrk="0" fontAlgn="base" hangingPunct="0">
+              <a:spcBef>
+                <a:spcPct val="0"/>
+              </a:spcBef>
+              <a:spcAft>
+                <a:spcPct val="0"/>
+              </a:spcAft>
+              <a:defRPr>
+                <a:solidFill>
+                  <a:schemeClr val="tx1"/>
+                </a:solidFill>
+                <a:latin typeface="Arial" panose="020B0604020202020204" pitchFamily="34" charset="0"/>
+              </a:defRPr>
+            </a:lvl5pPr>
+            <a:lvl6pPr eaLnBrk="0" fontAlgn="base" hangingPunct="0">
+              <a:spcBef>
+                <a:spcPct val="0"/>
+              </a:spcBef>
+              <a:spcAft>
+                <a:spcPct val="0"/>
+              </a:spcAft>
+              <a:defRPr>
+                <a:solidFill>
+                  <a:schemeClr val="tx1"/>
+                </a:solidFill>
+                <a:latin typeface="Arial" panose="020B0604020202020204" pitchFamily="34" charset="0"/>
+              </a:defRPr>
+            </a:lvl6pPr>
+            <a:lvl7pPr eaLnBrk="0" fontAlgn="base" hangingPunct="0">
+              <a:spcBef>
+                <a:spcPct val="0"/>
+              </a:spcBef>
+              <a:spcAft>
+                <a:spcPct val="0"/>
+              </a:spcAft>
+              <a:defRPr>
+                <a:solidFill>
+                  <a:schemeClr val="tx1"/>
+                </a:solidFill>
+                <a:latin typeface="Arial" panose="020B0604020202020204" pitchFamily="34" charset="0"/>
+              </a:defRPr>
+            </a:lvl7pPr>
+            <a:lvl8pPr eaLnBrk="0" fontAlgn="base" hangingPunct="0">
+              <a:spcBef>
+                <a:spcPct val="0"/>
+              </a:spcBef>
+              <a:spcAft>
+                <a:spcPct val="0"/>
+              </a:spcAft>
+              <a:defRPr>
+                <a:solidFill>
+                  <a:schemeClr val="tx1"/>
+                </a:solidFill>
+                <a:latin typeface="Arial" panose="020B0604020202020204" pitchFamily="34" charset="0"/>
+              </a:defRPr>
+            </a:lvl8pPr>
+            <a:lvl9pPr eaLnBrk="0" fontAlgn="base" hangingPunct="0">
+              <a:spcBef>
+                <a:spcPct val="0"/>
+              </a:spcBef>
+              <a:spcAft>
+                <a:spcPct val="0"/>
+              </a:spcAft>
+              <a:defRPr>
+                <a:solidFill>
+                  <a:schemeClr val="tx1"/>
+                </a:solidFill>
+                <a:latin typeface="Arial" panose="020B0604020202020204" pitchFamily="34" charset="0"/>
+              </a:defRPr>
+            </a:lvl9pPr>
+          </a:lstStyle>
+          <a:p>
+            <a:pPr marR="0" lvl="0" indent="0" algn="l" defTabSz="914400" rtl="0" eaLnBrk="0" fontAlgn="base" latinLnBrk="0" hangingPunct="0">
+              <a:lnSpc>
+                <a:spcPct val="100000"/>
+              </a:lnSpc>
+              <a:spcBef>
+                <a:spcPct val="0"/>
+              </a:spcBef>
+              <a:spcAft>
+                <a:spcPct val="0"/>
+              </a:spcAft>
+              <a:buClrTx/>
+              <a:buSzTx/>
+              <a:tabLst/>
+            </a:pPr>
+            <a:r>
+              <a:rPr kumimoji="0" lang="en-US" altLang="zh-CN" b="0" i="0" u="none" strike="noStrike" cap="none" normalizeH="0" baseline="0" dirty="0" smtClean="0">
+                <a:ln>
+                  <a:noFill/>
+                </a:ln>
+                <a:solidFill>
+                  <a:schemeClr val="tx1"/>
+                </a:solidFill>
+                <a:effectLst/>
+                <a:latin typeface="等线" panose="02010600030101010101" pitchFamily="2" charset="-122"/>
+                <a:ea typeface="等线" panose="02010600030101010101" pitchFamily="2" charset="-122"/>
+                <a:cs typeface="Times New Roman" panose="02020603050405020304" pitchFamily="18" charset="0"/>
+              </a:rPr>
+              <a:t>(2) Write a grammar, whose specified language is the set of odd numbers and each odd number does not start with 0.</a:t>
+            </a:r>
+            <a:endParaRPr kumimoji="0" lang="en-US" altLang="zh-CN" b="0" i="0" u="none" strike="noStrike" cap="none" normalizeH="0" baseline="0" dirty="0" smtClean="0">
+              <a:ln>
+                <a:noFill/>
+              </a:ln>
+              <a:solidFill>
+                <a:schemeClr val="tx1"/>
+              </a:solidFill>
+              <a:effectLst/>
+            </a:endParaRPr>
+          </a:p>
+        </p:txBody>
+      </p:sp>
+      <p:sp>
+        <p:nvSpPr>
+          <p:cNvPr id="8" name="矩形 7"/>
+          <p:cNvSpPr/>
+          <p:nvPr/>
+        </p:nvSpPr>
+        <p:spPr>
+          <a:xfrm>
+            <a:off x="1098115" y="2494455"/>
+            <a:ext cx="8081058" cy="646331"/>
+          </a:xfrm>
+          <a:prstGeom prst="rect">
+            <a:avLst/>
+          </a:prstGeom>
+        </p:spPr>
+        <p:txBody>
+          <a:bodyPr wrap="none">
+            <a:spAutoFit/>
+          </a:bodyPr>
+          <a:lstStyle/>
+          <a:p>
+            <a:pPr lvl="0" eaLnBrk="0" fontAlgn="base" hangingPunct="0">
+              <a:spcBef>
+                <a:spcPct val="0"/>
+              </a:spcBef>
+              <a:spcAft>
+                <a:spcPct val="0"/>
+              </a:spcAft>
+            </a:pPr>
+            <a:r>
+              <a:rPr lang="en-US" altLang="zh-CN" dirty="0">
+                <a:latin typeface="等线" panose="02010600030101010101" pitchFamily="2" charset="-122"/>
+                <a:ea typeface="等线" panose="02010600030101010101" pitchFamily="2" charset="-122"/>
+                <a:cs typeface="Times New Roman" panose="02020603050405020304" pitchFamily="18" charset="0"/>
+              </a:rPr>
+              <a:t>What is the language L(G) specified by G</a:t>
+            </a:r>
+            <a:r>
+              <a:rPr lang="en-US" altLang="zh-CN" dirty="0" smtClean="0">
+                <a:latin typeface="等线" panose="02010600030101010101" pitchFamily="2" charset="-122"/>
+                <a:ea typeface="等线" panose="02010600030101010101" pitchFamily="2" charset="-122"/>
+                <a:cs typeface="Times New Roman" panose="02020603050405020304" pitchFamily="18" charset="0"/>
+              </a:rPr>
+              <a:t>?</a:t>
+            </a:r>
+          </a:p>
+          <a:p>
+            <a:pPr eaLnBrk="0" fontAlgn="base" hangingPunct="0">
+              <a:spcBef>
+                <a:spcPct val="0"/>
+              </a:spcBef>
+              <a:spcAft>
+                <a:spcPct val="0"/>
+              </a:spcAft>
+            </a:pPr>
+            <a:r>
+              <a:rPr lang="en-US" altLang="zh-CN" dirty="0">
+                <a:latin typeface="等线" panose="02010600030101010101" pitchFamily="2" charset="-122"/>
+                <a:ea typeface="等线" panose="02010600030101010101" pitchFamily="2" charset="-122"/>
+                <a:cs typeface="Times New Roman" panose="02020603050405020304" pitchFamily="18" charset="0"/>
+              </a:rPr>
+              <a:t>Write the leftmost and rightmost derivations of the sentences 0127, 34 and 568</a:t>
+            </a:r>
+            <a:r>
+              <a:rPr lang="en-US" altLang="zh-CN" dirty="0" smtClean="0">
+                <a:latin typeface="等线" panose="02010600030101010101" pitchFamily="2" charset="-122"/>
+                <a:ea typeface="等线" panose="02010600030101010101" pitchFamily="2" charset="-122"/>
+                <a:cs typeface="Times New Roman" panose="02020603050405020304" pitchFamily="18" charset="0"/>
+              </a:rPr>
+              <a:t>.</a:t>
+            </a:r>
+            <a:endParaRPr lang="en-US" altLang="zh-CN" dirty="0"/>
+          </a:p>
+        </p:txBody>
+      </p:sp>
+      <p:sp>
+        <p:nvSpPr>
+          <p:cNvPr id="9" name="矩形 8"/>
+          <p:cNvSpPr/>
+          <p:nvPr/>
+        </p:nvSpPr>
+        <p:spPr>
+          <a:xfrm>
+            <a:off x="828675" y="4607361"/>
+            <a:ext cx="6107257" cy="369332"/>
+          </a:xfrm>
+          <a:prstGeom prst="rect">
+            <a:avLst/>
+          </a:prstGeom>
+        </p:spPr>
+        <p:txBody>
+          <a:bodyPr wrap="square">
+            <a:spAutoFit/>
+          </a:bodyPr>
+          <a:lstStyle/>
+          <a:p>
+            <a:pPr lvl="0" eaLnBrk="0" fontAlgn="base" hangingPunct="0">
+              <a:spcBef>
+                <a:spcPct val="0"/>
+              </a:spcBef>
+              <a:spcAft>
+                <a:spcPct val="0"/>
+              </a:spcAft>
+            </a:pPr>
+            <a:r>
+              <a:rPr lang="en-US" altLang="zh-CN" dirty="0" smtClean="0">
+                <a:latin typeface="等线" panose="02010600030101010101" pitchFamily="2" charset="-122"/>
+                <a:ea typeface="等线" panose="02010600030101010101" pitchFamily="2" charset="-122"/>
+                <a:cs typeface="Times New Roman" panose="02020603050405020304" pitchFamily="18" charset="0"/>
+              </a:rPr>
+              <a:t>(3) Write </a:t>
+            </a:r>
+            <a:r>
+              <a:rPr lang="en-US" altLang="zh-CN" dirty="0">
+                <a:latin typeface="等线" panose="02010600030101010101" pitchFamily="2" charset="-122"/>
+                <a:ea typeface="等线" panose="02010600030101010101" pitchFamily="2" charset="-122"/>
+                <a:cs typeface="Times New Roman" panose="02020603050405020304" pitchFamily="18" charset="0"/>
+              </a:rPr>
+              <a:t>the grammars for the following languages</a:t>
+            </a:r>
+            <a:endParaRPr lang="en-US" altLang="zh-CN" dirty="0"/>
+          </a:p>
+        </p:txBody>
+      </p:sp>
+    </p:spTree>
+    <p:extLst>
+      <p:ext uri="{BB962C8B-B14F-4D97-AF65-F5344CB8AC3E}">
+        <p14:creationId xmlns:p14="http://schemas.microsoft.com/office/powerpoint/2010/main" val="3524092695"/>
+      </p:ext>
+    </p:extLst>
+  </p:cSld>
+  <p:clrMapOvr>
+    <a:masterClrMapping/>
+  </p:clrMapOvr>
+  <mc:AlternateContent xmlns:mc="http://schemas.openxmlformats.org/markup-compatibility/2006" xmlns:p14="http://schemas.microsoft.com/office/powerpoint/2010/main">
+    <mc:Choice Requires="p14">
+      <p:transition spd="med" p14:dur="700">
+        <p:fade/>
+      </p:transition>
+    </mc:Choice>
+    <mc:Fallback xmlns="">
+      <p:transition spd="med">
+        <p:fade/>
+      </p:transition>
+    </mc:Fallback>
+  </mc:AlternateContent>
+</p:sld>
+</file>
+
 <file path=ppt/slides/slide2.xml><?xml version="1.0" encoding="utf-8"?>
 <p:sld xmlns:a="http://schemas.openxmlformats.org/drawingml/2006/main" xmlns:r="http://schemas.openxmlformats.org/officeDocument/2006/relationships" xmlns:p="http://schemas.openxmlformats.org/presentationml/2006/main">
   <p:cSld>
@@ -7315,7 +9646,7 @@
           <a:graphicData uri="http://schemas.openxmlformats.org/presentationml/2006/ole">
             <mc:AlternateContent xmlns:mc="http://schemas.openxmlformats.org/markup-compatibility/2006">
               <mc:Choice xmlns:v="urn:schemas-microsoft-com:vml" Requires="v">
-                <p:oleObj spid="_x0000_s2572" name="Equation" r:id="rId3" imgW="139680" imgH="152280" progId="Equation.DSMT4">
+                <p:oleObj spid="_x0000_s2732" name="Equation" r:id="rId3" imgW="139680" imgH="152280" progId="Equation.DSMT4">
                   <p:embed/>
                 </p:oleObj>
               </mc:Choice>
@@ -7372,7 +9703,7 @@
           <a:graphicData uri="http://schemas.openxmlformats.org/presentationml/2006/ole">
             <mc:AlternateContent xmlns:mc="http://schemas.openxmlformats.org/markup-compatibility/2006">
               <mc:Choice xmlns:v="urn:schemas-microsoft-com:vml" Requires="v">
-                <p:oleObj spid="_x0000_s2573" name="Equation" r:id="rId5" imgW="139680" imgH="152280" progId="Equation.DSMT4">
+                <p:oleObj spid="_x0000_s2733" name="Equation" r:id="rId5" imgW="139680" imgH="152280" progId="Equation.DSMT4">
                   <p:embed/>
                 </p:oleObj>
               </mc:Choice>
@@ -7429,7 +9760,7 @@
           <a:graphicData uri="http://schemas.openxmlformats.org/presentationml/2006/ole">
             <mc:AlternateContent xmlns:mc="http://schemas.openxmlformats.org/markup-compatibility/2006">
               <mc:Choice xmlns:v="urn:schemas-microsoft-com:vml" Requires="v">
-                <p:oleObj spid="_x0000_s2574" name="Equation" r:id="rId7" imgW="139680" imgH="152280" progId="Equation.DSMT4">
+                <p:oleObj spid="_x0000_s2734" name="Equation" r:id="rId7" imgW="139680" imgH="152280" progId="Equation.DSMT4">
                   <p:embed/>
                 </p:oleObj>
               </mc:Choice>
@@ -7486,7 +9817,7 @@
           <a:graphicData uri="http://schemas.openxmlformats.org/presentationml/2006/ole">
             <mc:AlternateContent xmlns:mc="http://schemas.openxmlformats.org/markup-compatibility/2006">
               <mc:Choice xmlns:v="urn:schemas-microsoft-com:vml" Requires="v">
-                <p:oleObj spid="_x0000_s2575" name="Equation" r:id="rId8" imgW="203040" imgH="164880" progId="Equation.DSMT4">
+                <p:oleObj spid="_x0000_s2735" name="Equation" r:id="rId8" imgW="203040" imgH="164880" progId="Equation.DSMT4">
                   <p:embed/>
                 </p:oleObj>
               </mc:Choice>
@@ -7543,7 +9874,7 @@
           <a:graphicData uri="http://schemas.openxmlformats.org/presentationml/2006/ole">
             <mc:AlternateContent xmlns:mc="http://schemas.openxmlformats.org/markup-compatibility/2006">
               <mc:Choice xmlns:v="urn:schemas-microsoft-com:vml" Requires="v">
-                <p:oleObj spid="_x0000_s2576" name="Equation" r:id="rId10" imgW="139680" imgH="152280" progId="Equation.DSMT4">
+                <p:oleObj spid="_x0000_s2736" name="Equation" r:id="rId10" imgW="139680" imgH="152280" progId="Equation.DSMT4">
                   <p:embed/>
                 </p:oleObj>
               </mc:Choice>
@@ -7600,7 +9931,7 @@
           <a:graphicData uri="http://schemas.openxmlformats.org/presentationml/2006/ole">
             <mc:AlternateContent xmlns:mc="http://schemas.openxmlformats.org/markup-compatibility/2006">
               <mc:Choice xmlns:v="urn:schemas-microsoft-com:vml" Requires="v">
-                <p:oleObj spid="_x0000_s2577" name="Equation" r:id="rId12" imgW="1676160" imgH="203040" progId="Equation.DSMT4">
+                <p:oleObj spid="_x0000_s2737" name="Equation" r:id="rId12" imgW="1676160" imgH="203040" progId="Equation.DSMT4">
                   <p:embed/>
                 </p:oleObj>
               </mc:Choice>
@@ -7657,7 +9988,7 @@
           <a:graphicData uri="http://schemas.openxmlformats.org/presentationml/2006/ole">
             <mc:AlternateContent xmlns:mc="http://schemas.openxmlformats.org/markup-compatibility/2006">
               <mc:Choice xmlns:v="urn:schemas-microsoft-com:vml" Requires="v">
-                <p:oleObj spid="_x0000_s2578" name="Equation" r:id="rId14" imgW="850680" imgH="393480" progId="Equation.DSMT4">
+                <p:oleObj spid="_x0000_s2738" name="Equation" r:id="rId14" imgW="850680" imgH="393480" progId="Equation.DSMT4">
                   <p:embed/>
                 </p:oleObj>
               </mc:Choice>
@@ -7714,7 +10045,7 @@
           <a:graphicData uri="http://schemas.openxmlformats.org/presentationml/2006/ole">
             <mc:AlternateContent xmlns:mc="http://schemas.openxmlformats.org/markup-compatibility/2006">
               <mc:Choice xmlns:v="urn:schemas-microsoft-com:vml" Requires="v">
-                <p:oleObj spid="_x0000_s2579" name="Equation" r:id="rId16" imgW="558720" imgH="228600" progId="Equation.DSMT4">
+                <p:oleObj spid="_x0000_s2739" name="Equation" r:id="rId16" imgW="558720" imgH="228600" progId="Equation.DSMT4">
                   <p:embed/>
                 </p:oleObj>
               </mc:Choice>
@@ -7771,7 +10102,7 @@
           <a:graphicData uri="http://schemas.openxmlformats.org/presentationml/2006/ole">
             <mc:AlternateContent xmlns:mc="http://schemas.openxmlformats.org/markup-compatibility/2006">
               <mc:Choice xmlns:v="urn:schemas-microsoft-com:vml" Requires="v">
-                <p:oleObj spid="_x0000_s2580" name="Equation" r:id="rId18" imgW="1638000" imgH="203040" progId="Equation.DSMT4">
+                <p:oleObj spid="_x0000_s2740" name="Equation" r:id="rId18" imgW="1638000" imgH="203040" progId="Equation.DSMT4">
                   <p:embed/>
                 </p:oleObj>
               </mc:Choice>
@@ -7828,7 +10159,7 @@
           <a:graphicData uri="http://schemas.openxmlformats.org/presentationml/2006/ole">
             <mc:AlternateContent xmlns:mc="http://schemas.openxmlformats.org/markup-compatibility/2006">
               <mc:Choice xmlns:v="urn:schemas-microsoft-com:vml" Requires="v">
-                <p:oleObj spid="_x0000_s2581" name="Equation" r:id="rId20" imgW="609480" imgH="203040" progId="Equation.DSMT4">
+                <p:oleObj spid="_x0000_s2741" name="Equation" r:id="rId20" imgW="609480" imgH="203040" progId="Equation.DSMT4">
                   <p:embed/>
                 </p:oleObj>
               </mc:Choice>
@@ -8253,7 +10584,7 @@
           <a:graphicData uri="http://schemas.openxmlformats.org/presentationml/2006/ole">
             <mc:AlternateContent xmlns:mc="http://schemas.openxmlformats.org/markup-compatibility/2006">
               <mc:Choice xmlns:v="urn:schemas-microsoft-com:vml" Requires="v">
-                <p:oleObj spid="_x0000_s3113" name="Equation" r:id="rId3" imgW="3022560" imgH="190440" progId="Equation.DSMT4">
+                <p:oleObj spid="_x0000_s3129" name="Equation" r:id="rId3" imgW="3022560" imgH="190440" progId="Equation.DSMT4">
                   <p:embed/>
                 </p:oleObj>
               </mc:Choice>
@@ -8472,7 +10803,7 @@
           <a:graphicData uri="http://schemas.openxmlformats.org/presentationml/2006/ole">
             <mc:AlternateContent xmlns:mc="http://schemas.openxmlformats.org/markup-compatibility/2006">
               <mc:Choice xmlns:v="urn:schemas-microsoft-com:vml" Requires="v">
-                <p:oleObj spid="_x0000_s4371" name="Equation" r:id="rId3" imgW="850680" imgH="228600" progId="Equation.DSMT4">
+                <p:oleObj spid="_x0000_s4499" name="Equation" r:id="rId3" imgW="850680" imgH="228600" progId="Equation.DSMT4">
                   <p:embed/>
                 </p:oleObj>
               </mc:Choice>
@@ -8529,7 +10860,7 @@
           <a:graphicData uri="http://schemas.openxmlformats.org/presentationml/2006/ole">
             <mc:AlternateContent xmlns:mc="http://schemas.openxmlformats.org/markup-compatibility/2006">
               <mc:Choice xmlns:v="urn:schemas-microsoft-com:vml" Requires="v">
-                <p:oleObj spid="_x0000_s4372" name="Equation" r:id="rId5" imgW="177480" imgH="177480" progId="Equation.DSMT4">
+                <p:oleObj spid="_x0000_s4500" name="Equation" r:id="rId5" imgW="177480" imgH="177480" progId="Equation.DSMT4">
                   <p:embed/>
                 </p:oleObj>
               </mc:Choice>
@@ -8586,7 +10917,7 @@
           <a:graphicData uri="http://schemas.openxmlformats.org/presentationml/2006/ole">
             <mc:AlternateContent xmlns:mc="http://schemas.openxmlformats.org/markup-compatibility/2006">
               <mc:Choice xmlns:v="urn:schemas-microsoft-com:vml" Requires="v">
-                <p:oleObj spid="_x0000_s4373" name="Equation" r:id="rId7" imgW="469800" imgH="177480" progId="Equation.DSMT4">
+                <p:oleObj spid="_x0000_s4501" name="Equation" r:id="rId7" imgW="469800" imgH="177480" progId="Equation.DSMT4">
                   <p:embed/>
                 </p:oleObj>
               </mc:Choice>
@@ -8643,7 +10974,7 @@
           <a:graphicData uri="http://schemas.openxmlformats.org/presentationml/2006/ole">
             <mc:AlternateContent xmlns:mc="http://schemas.openxmlformats.org/markup-compatibility/2006">
               <mc:Choice xmlns:v="urn:schemas-microsoft-com:vml" Requires="v">
-                <p:oleObj spid="_x0000_s4374" name="Equation" r:id="rId9" imgW="1384200" imgH="241200" progId="Equation.DSMT4">
+                <p:oleObj spid="_x0000_s4502" name="Equation" r:id="rId9" imgW="1384200" imgH="241200" progId="Equation.DSMT4">
                   <p:embed/>
                 </p:oleObj>
               </mc:Choice>
@@ -8700,7 +11031,7 @@
           <a:graphicData uri="http://schemas.openxmlformats.org/presentationml/2006/ole">
             <mc:AlternateContent xmlns:mc="http://schemas.openxmlformats.org/markup-compatibility/2006">
               <mc:Choice xmlns:v="urn:schemas-microsoft-com:vml" Requires="v">
-                <p:oleObj spid="_x0000_s4375" name="Equation" r:id="rId11" imgW="711000" imgH="228600" progId="Equation.DSMT4">
+                <p:oleObj spid="_x0000_s4503" name="Equation" r:id="rId11" imgW="711000" imgH="228600" progId="Equation.DSMT4">
                   <p:embed/>
                 </p:oleObj>
               </mc:Choice>
@@ -8948,7 +11279,7 @@
           <a:graphicData uri="http://schemas.openxmlformats.org/presentationml/2006/ole">
             <mc:AlternateContent xmlns:mc="http://schemas.openxmlformats.org/markup-compatibility/2006">
               <mc:Choice xmlns:v="urn:schemas-microsoft-com:vml" Requires="v">
-                <p:oleObj spid="_x0000_s4376" name="Equation" r:id="rId13" imgW="520560" imgH="914400" progId="Equation.DSMT4">
+                <p:oleObj spid="_x0000_s4504" name="Equation" r:id="rId13" imgW="520560" imgH="914400" progId="Equation.DSMT4">
                   <p:embed/>
                 </p:oleObj>
               </mc:Choice>
@@ -9043,7 +11374,7 @@
           <a:graphicData uri="http://schemas.openxmlformats.org/presentationml/2006/ole">
             <mc:AlternateContent xmlns:mc="http://schemas.openxmlformats.org/markup-compatibility/2006">
               <mc:Choice xmlns:v="urn:schemas-microsoft-com:vml" Requires="v">
-                <p:oleObj spid="_x0000_s4377" name="Equation" r:id="rId15" imgW="1091880" imgH="228600" progId="Equation.DSMT4">
+                <p:oleObj spid="_x0000_s4505" name="Equation" r:id="rId15" imgW="1091880" imgH="228600" progId="Equation.DSMT4">
                   <p:embed/>
                 </p:oleObj>
               </mc:Choice>
@@ -9100,7 +11431,7 @@
           <a:graphicData uri="http://schemas.openxmlformats.org/presentationml/2006/ole">
             <mc:AlternateContent xmlns:mc="http://schemas.openxmlformats.org/markup-compatibility/2006">
               <mc:Choice xmlns:v="urn:schemas-microsoft-com:vml" Requires="v">
-                <p:oleObj spid="_x0000_s4378" name="Equation" r:id="rId17" imgW="2145960" imgH="228600" progId="Equation.DSMT4">
+                <p:oleObj spid="_x0000_s4506" name="Equation" r:id="rId17" imgW="2145960" imgH="228600" progId="Equation.DSMT4">
                   <p:embed/>
                 </p:oleObj>
               </mc:Choice>
@@ -9544,7 +11875,7 @@
           <a:graphicData uri="http://schemas.openxmlformats.org/presentationml/2006/ole">
             <mc:AlternateContent xmlns:mc="http://schemas.openxmlformats.org/markup-compatibility/2006">
               <mc:Choice xmlns:v="urn:schemas-microsoft-com:vml" Requires="v">
-                <p:oleObj spid="_x0000_s5421" name="Equation" r:id="rId3" imgW="444240" imgH="203040" progId="Equation.DSMT4">
+                <p:oleObj spid="_x0000_s5629" name="Equation" r:id="rId3" imgW="444240" imgH="203040" progId="Equation.DSMT4">
                   <p:embed/>
                 </p:oleObj>
               </mc:Choice>
@@ -9601,7 +11932,7 @@
           <a:graphicData uri="http://schemas.openxmlformats.org/presentationml/2006/ole">
             <mc:AlternateContent xmlns:mc="http://schemas.openxmlformats.org/markup-compatibility/2006">
               <mc:Choice xmlns:v="urn:schemas-microsoft-com:vml" Requires="v">
-                <p:oleObj spid="_x0000_s5422" name="Equation" r:id="rId5" imgW="355320" imgH="203040" progId="Equation.DSMT4">
+                <p:oleObj spid="_x0000_s5630" name="Equation" r:id="rId5" imgW="355320" imgH="203040" progId="Equation.DSMT4">
                   <p:embed/>
                 </p:oleObj>
               </mc:Choice>
@@ -9658,7 +11989,7 @@
           <a:graphicData uri="http://schemas.openxmlformats.org/presentationml/2006/ole">
             <mc:AlternateContent xmlns:mc="http://schemas.openxmlformats.org/markup-compatibility/2006">
               <mc:Choice xmlns:v="urn:schemas-microsoft-com:vml" Requires="v">
-                <p:oleObj spid="_x0000_s5423" name="Equation" r:id="rId7" imgW="304560" imgH="203040" progId="Equation.DSMT4">
+                <p:oleObj spid="_x0000_s5631" name="Equation" r:id="rId7" imgW="304560" imgH="203040" progId="Equation.DSMT4">
                   <p:embed/>
                 </p:oleObj>
               </mc:Choice>
@@ -9715,7 +12046,7 @@
           <a:graphicData uri="http://schemas.openxmlformats.org/presentationml/2006/ole">
             <mc:AlternateContent xmlns:mc="http://schemas.openxmlformats.org/markup-compatibility/2006">
               <mc:Choice xmlns:v="urn:schemas-microsoft-com:vml" Requires="v">
-                <p:oleObj spid="_x0000_s5424" name="Equation" r:id="rId9" imgW="825480" imgH="203040" progId="Equation.DSMT4">
+                <p:oleObj spid="_x0000_s5632" name="Equation" r:id="rId9" imgW="825480" imgH="203040" progId="Equation.DSMT4">
                   <p:embed/>
                 </p:oleObj>
               </mc:Choice>
@@ -9772,7 +12103,7 @@
           <a:graphicData uri="http://schemas.openxmlformats.org/presentationml/2006/ole">
             <mc:AlternateContent xmlns:mc="http://schemas.openxmlformats.org/markup-compatibility/2006">
               <mc:Choice xmlns:v="urn:schemas-microsoft-com:vml" Requires="v">
-                <p:oleObj spid="_x0000_s5425" name="Equation" r:id="rId11" imgW="1079280" imgH="241200" progId="Equation.DSMT4">
+                <p:oleObj spid="_x0000_s5633" name="Equation" r:id="rId11" imgW="1079280" imgH="241200" progId="Equation.DSMT4">
                   <p:embed/>
                 </p:oleObj>
               </mc:Choice>
@@ -9829,7 +12160,7 @@
           <a:graphicData uri="http://schemas.openxmlformats.org/presentationml/2006/ole">
             <mc:AlternateContent xmlns:mc="http://schemas.openxmlformats.org/markup-compatibility/2006">
               <mc:Choice xmlns:v="urn:schemas-microsoft-com:vml" Requires="v">
-                <p:oleObj spid="_x0000_s5426" name="Equation" r:id="rId13" imgW="190440" imgH="152280" progId="Equation.DSMT4">
+                <p:oleObj spid="_x0000_s5634" name="Equation" r:id="rId13" imgW="190440" imgH="152280" progId="Equation.DSMT4">
                   <p:embed/>
                 </p:oleObj>
               </mc:Choice>
@@ -9886,7 +12217,7 @@
           <a:graphicData uri="http://schemas.openxmlformats.org/presentationml/2006/ole">
             <mc:AlternateContent xmlns:mc="http://schemas.openxmlformats.org/markup-compatibility/2006">
               <mc:Choice xmlns:v="urn:schemas-microsoft-com:vml" Requires="v">
-                <p:oleObj spid="_x0000_s5427" name="Equation" r:id="rId15" imgW="1257120" imgH="228600" progId="Equation.DSMT4">
+                <p:oleObj spid="_x0000_s5635" name="Equation" r:id="rId15" imgW="1257120" imgH="228600" progId="Equation.DSMT4">
                   <p:embed/>
                 </p:oleObj>
               </mc:Choice>
@@ -9943,7 +12274,7 @@
           <a:graphicData uri="http://schemas.openxmlformats.org/presentationml/2006/ole">
             <mc:AlternateContent xmlns:mc="http://schemas.openxmlformats.org/markup-compatibility/2006">
               <mc:Choice xmlns:v="urn:schemas-microsoft-com:vml" Requires="v">
-                <p:oleObj spid="_x0000_s5428" name="Equation" r:id="rId17" imgW="545760" imgH="228600" progId="Equation.DSMT4">
+                <p:oleObj spid="_x0000_s5636" name="Equation" r:id="rId17" imgW="545760" imgH="228600" progId="Equation.DSMT4">
                   <p:embed/>
                 </p:oleObj>
               </mc:Choice>
@@ -10000,7 +12331,7 @@
           <a:graphicData uri="http://schemas.openxmlformats.org/presentationml/2006/ole">
             <mc:AlternateContent xmlns:mc="http://schemas.openxmlformats.org/markup-compatibility/2006">
               <mc:Choice xmlns:v="urn:schemas-microsoft-com:vml" Requires="v">
-                <p:oleObj spid="_x0000_s5429" name="Equation" r:id="rId19" imgW="863280" imgH="228600" progId="Equation.DSMT4">
+                <p:oleObj spid="_x0000_s5637" name="Equation" r:id="rId19" imgW="863280" imgH="228600" progId="Equation.DSMT4">
                   <p:embed/>
                 </p:oleObj>
               </mc:Choice>
@@ -10057,7 +12388,7 @@
           <a:graphicData uri="http://schemas.openxmlformats.org/presentationml/2006/ole">
             <mc:AlternateContent xmlns:mc="http://schemas.openxmlformats.org/markup-compatibility/2006">
               <mc:Choice xmlns:v="urn:schemas-microsoft-com:vml" Requires="v">
-                <p:oleObj spid="_x0000_s5430" name="Equation" r:id="rId21" imgW="241200" imgH="203040" progId="Equation.DSMT4">
+                <p:oleObj spid="_x0000_s5638" name="Equation" r:id="rId21" imgW="241200" imgH="203040" progId="Equation.DSMT4">
                   <p:embed/>
                 </p:oleObj>
               </mc:Choice>
@@ -10114,7 +12445,7 @@
           <a:graphicData uri="http://schemas.openxmlformats.org/presentationml/2006/ole">
             <mc:AlternateContent xmlns:mc="http://schemas.openxmlformats.org/markup-compatibility/2006">
               <mc:Choice xmlns:v="urn:schemas-microsoft-com:vml" Requires="v">
-                <p:oleObj spid="_x0000_s5431" name="Equation" r:id="rId23" imgW="253800" imgH="203040" progId="Equation.DSMT4">
+                <p:oleObj spid="_x0000_s5639" name="Equation" r:id="rId23" imgW="253800" imgH="203040" progId="Equation.DSMT4">
                   <p:embed/>
                 </p:oleObj>
               </mc:Choice>
@@ -10171,7 +12502,7 @@
           <a:graphicData uri="http://schemas.openxmlformats.org/presentationml/2006/ole">
             <mc:AlternateContent xmlns:mc="http://schemas.openxmlformats.org/markup-compatibility/2006">
               <mc:Choice xmlns:v="urn:schemas-microsoft-com:vml" Requires="v">
-                <p:oleObj spid="_x0000_s5432" name="Equation" r:id="rId25" imgW="507960" imgH="203040" progId="Equation.DSMT4">
+                <p:oleObj spid="_x0000_s5640" name="Equation" r:id="rId25" imgW="507960" imgH="203040" progId="Equation.DSMT4">
                   <p:embed/>
                 </p:oleObj>
               </mc:Choice>
@@ -10228,7 +12559,7 @@
           <a:graphicData uri="http://schemas.openxmlformats.org/presentationml/2006/ole">
             <mc:AlternateContent xmlns:mc="http://schemas.openxmlformats.org/markup-compatibility/2006">
               <mc:Choice xmlns:v="urn:schemas-microsoft-com:vml" Requires="v">
-                <p:oleObj spid="_x0000_s5433" name="Equation" r:id="rId27" imgW="152280" imgH="139680" progId="Equation.DSMT4">
+                <p:oleObj spid="_x0000_s5641" name="Equation" r:id="rId27" imgW="152280" imgH="139680" progId="Equation.DSMT4">
                   <p:embed/>
                 </p:oleObj>
               </mc:Choice>
@@ -10543,7 +12874,7 @@
           <a:graphicData uri="http://schemas.openxmlformats.org/presentationml/2006/ole">
             <mc:AlternateContent xmlns:mc="http://schemas.openxmlformats.org/markup-compatibility/2006">
               <mc:Choice xmlns:v="urn:schemas-microsoft-com:vml" Requires="v">
-                <p:oleObj spid="_x0000_s6177" name="Equation" r:id="rId3" imgW="507960" imgH="203040" progId="Equation.DSMT4">
+                <p:oleObj spid="_x0000_s6209" name="Equation" r:id="rId3" imgW="507960" imgH="203040" progId="Equation.DSMT4">
                   <p:embed/>
                 </p:oleObj>
               </mc:Choice>
@@ -10600,7 +12931,7 @@
           <a:graphicData uri="http://schemas.openxmlformats.org/presentationml/2006/ole">
             <mc:AlternateContent xmlns:mc="http://schemas.openxmlformats.org/markup-compatibility/2006">
               <mc:Choice xmlns:v="urn:schemas-microsoft-com:vml" Requires="v">
-                <p:oleObj spid="_x0000_s6178" name="Equation" r:id="rId5" imgW="1752480" imgH="241200" progId="Equation.DSMT4">
+                <p:oleObj spid="_x0000_s6210" name="Equation" r:id="rId5" imgW="1752480" imgH="241200" progId="Equation.DSMT4">
                   <p:embed/>
                 </p:oleObj>
               </mc:Choice>
@@ -11408,6 +13739,141 @@
 </file>
 
 <file path=customXml/item1.xml><?xml version="1.0" encoding="utf-8"?>
+<p:properties xmlns:p="http://schemas.microsoft.com/office/2006/metadata/properties" xmlns:xsi="http://www.w3.org/2001/XMLSchema-instance" xmlns:pc="http://schemas.microsoft.com/office/infopath/2007/PartnerControls">
+  <documentManagement>
+    <APDescription xmlns="4873beb7-5857-4685-be1f-d57550cc96cc" xsi:nil="true"/>
+    <AssetExpire xmlns="4873beb7-5857-4685-be1f-d57550cc96cc">2029-01-01T08:00:00+00:00</AssetExpire>
+    <CampaignTagsTaxHTField0 xmlns="4873beb7-5857-4685-be1f-d57550cc96cc">
+      <Terms xmlns="http://schemas.microsoft.com/office/infopath/2007/PartnerControls"/>
+    </CampaignTagsTaxHTField0>
+    <IntlLangReviewDate xmlns="4873beb7-5857-4685-be1f-d57550cc96cc" xsi:nil="true"/>
+    <TPFriendlyName xmlns="4873beb7-5857-4685-be1f-d57550cc96cc" xsi:nil="true"/>
+    <IntlLangReview xmlns="4873beb7-5857-4685-be1f-d57550cc96cc">false</IntlLangReview>
+    <LocLastLocAttemptVersionLookup xmlns="4873beb7-5857-4685-be1f-d57550cc96cc">855024</LocLastLocAttemptVersionLookup>
+    <PolicheckWords xmlns="4873beb7-5857-4685-be1f-d57550cc96cc" xsi:nil="true"/>
+    <SubmitterId xmlns="4873beb7-5857-4685-be1f-d57550cc96cc" xsi:nil="true"/>
+    <AcquiredFrom xmlns="4873beb7-5857-4685-be1f-d57550cc96cc">Internal MS</AcquiredFrom>
+    <EditorialStatus xmlns="4873beb7-5857-4685-be1f-d57550cc96cc">Complete</EditorialStatus>
+    <Markets xmlns="4873beb7-5857-4685-be1f-d57550cc96cc"/>
+    <OriginAsset xmlns="4873beb7-5857-4685-be1f-d57550cc96cc" xsi:nil="true"/>
+    <AssetStart xmlns="4873beb7-5857-4685-be1f-d57550cc96cc">2012-08-31T08:50:00+00:00</AssetStart>
+    <FriendlyTitle xmlns="4873beb7-5857-4685-be1f-d57550cc96cc" xsi:nil="true"/>
+    <MarketSpecific xmlns="4873beb7-5857-4685-be1f-d57550cc96cc">false</MarketSpecific>
+    <TPNamespace xmlns="4873beb7-5857-4685-be1f-d57550cc96cc" xsi:nil="true"/>
+    <PublishStatusLookup xmlns="4873beb7-5857-4685-be1f-d57550cc96cc">
+      <Value>1616423</Value>
+    </PublishStatusLookup>
+    <APAuthor xmlns="4873beb7-5857-4685-be1f-d57550cc96cc">
+      <UserInfo>
+        <DisplayName>REDMOND\kristaa</DisplayName>
+        <AccountId>136</AccountId>
+        <AccountType/>
+      </UserInfo>
+    </APAuthor>
+    <TPCommandLine xmlns="4873beb7-5857-4685-be1f-d57550cc96cc" xsi:nil="true"/>
+    <IntlLangReviewer xmlns="4873beb7-5857-4685-be1f-d57550cc96cc" xsi:nil="true"/>
+    <OpenTemplate xmlns="4873beb7-5857-4685-be1f-d57550cc96cc">true</OpenTemplate>
+    <CSXSubmissionDate xmlns="4873beb7-5857-4685-be1f-d57550cc96cc" xsi:nil="true"/>
+    <TaxCatchAll xmlns="4873beb7-5857-4685-be1f-d57550cc96cc"/>
+    <Manager xmlns="4873beb7-5857-4685-be1f-d57550cc96cc" xsi:nil="true"/>
+    <NumericId xmlns="4873beb7-5857-4685-be1f-d57550cc96cc" xsi:nil="true"/>
+    <ParentAssetId xmlns="4873beb7-5857-4685-be1f-d57550cc96cc" xsi:nil="true"/>
+    <OriginalSourceMarket xmlns="4873beb7-5857-4685-be1f-d57550cc96cc" xsi:nil="true"/>
+    <ApprovalStatus xmlns="4873beb7-5857-4685-be1f-d57550cc96cc">InProgress</ApprovalStatus>
+    <TPComponent xmlns="4873beb7-5857-4685-be1f-d57550cc96cc" xsi:nil="true"/>
+    <EditorialTags xmlns="4873beb7-5857-4685-be1f-d57550cc96cc" xsi:nil="true"/>
+    <TPExecutable xmlns="4873beb7-5857-4685-be1f-d57550cc96cc" xsi:nil="true"/>
+    <TPLaunchHelpLink xmlns="4873beb7-5857-4685-be1f-d57550cc96cc" xsi:nil="true"/>
+    <LocComments xmlns="4873beb7-5857-4685-be1f-d57550cc96cc" xsi:nil="true"/>
+    <LocRecommendedHandoff xmlns="4873beb7-5857-4685-be1f-d57550cc96cc" xsi:nil="true"/>
+    <SourceTitle xmlns="4873beb7-5857-4685-be1f-d57550cc96cc" xsi:nil="true"/>
+    <CSXUpdate xmlns="4873beb7-5857-4685-be1f-d57550cc96cc">false</CSXUpdate>
+    <IntlLocPriority xmlns="4873beb7-5857-4685-be1f-d57550cc96cc" xsi:nil="true"/>
+    <UAProjectedTotalWords xmlns="4873beb7-5857-4685-be1f-d57550cc96cc" xsi:nil="true"/>
+    <AssetType xmlns="4873beb7-5857-4685-be1f-d57550cc96cc">TP</AssetType>
+    <MachineTranslated xmlns="4873beb7-5857-4685-be1f-d57550cc96cc">false</MachineTranslated>
+    <OutputCachingOn xmlns="4873beb7-5857-4685-be1f-d57550cc96cc">false</OutputCachingOn>
+    <TemplateStatus xmlns="4873beb7-5857-4685-be1f-d57550cc96cc">Complete</TemplateStatus>
+    <IsSearchable xmlns="4873beb7-5857-4685-be1f-d57550cc96cc">true</IsSearchable>
+    <ContentItem xmlns="4873beb7-5857-4685-be1f-d57550cc96cc" xsi:nil="true"/>
+    <HandoffToMSDN xmlns="4873beb7-5857-4685-be1f-d57550cc96cc" xsi:nil="true"/>
+    <ShowIn xmlns="4873beb7-5857-4685-be1f-d57550cc96cc">Show everywhere</ShowIn>
+    <ThumbnailAssetId xmlns="4873beb7-5857-4685-be1f-d57550cc96cc" xsi:nil="true"/>
+    <UALocComments xmlns="4873beb7-5857-4685-be1f-d57550cc96cc" xsi:nil="true"/>
+    <UALocRecommendation xmlns="4873beb7-5857-4685-be1f-d57550cc96cc">Localize</UALocRecommendation>
+    <LastModifiedDateTime xmlns="4873beb7-5857-4685-be1f-d57550cc96cc" xsi:nil="true"/>
+    <LegacyData xmlns="4873beb7-5857-4685-be1f-d57550cc96cc" xsi:nil="true"/>
+    <LocManualTestRequired xmlns="4873beb7-5857-4685-be1f-d57550cc96cc">false</LocManualTestRequired>
+    <LocMarketGroupTiers2 xmlns="4873beb7-5857-4685-be1f-d57550cc96cc" xsi:nil="true"/>
+    <ClipArtFilename xmlns="4873beb7-5857-4685-be1f-d57550cc96cc" xsi:nil="true"/>
+    <TPApplication xmlns="4873beb7-5857-4685-be1f-d57550cc96cc" xsi:nil="true"/>
+    <CSXHash xmlns="4873beb7-5857-4685-be1f-d57550cc96cc" xsi:nil="true"/>
+    <DirectSourceMarket xmlns="4873beb7-5857-4685-be1f-d57550cc96cc" xsi:nil="true"/>
+    <PrimaryImageGen xmlns="4873beb7-5857-4685-be1f-d57550cc96cc">true</PrimaryImageGen>
+    <PlannedPubDate xmlns="4873beb7-5857-4685-be1f-d57550cc96cc" xsi:nil="true"/>
+    <CSXSubmissionMarket xmlns="4873beb7-5857-4685-be1f-d57550cc96cc" xsi:nil="true"/>
+    <Downloads xmlns="4873beb7-5857-4685-be1f-d57550cc96cc">0</Downloads>
+    <ArtSampleDocs xmlns="4873beb7-5857-4685-be1f-d57550cc96cc" xsi:nil="true"/>
+    <TrustLevel xmlns="4873beb7-5857-4685-be1f-d57550cc96cc">1 Microsoft Managed Content</TrustLevel>
+    <BlockPublish xmlns="4873beb7-5857-4685-be1f-d57550cc96cc">false</BlockPublish>
+    <TPLaunchHelpLinkType xmlns="4873beb7-5857-4685-be1f-d57550cc96cc">Template</TPLaunchHelpLinkType>
+    <LocalizationTagsTaxHTField0 xmlns="4873beb7-5857-4685-be1f-d57550cc96cc">
+      <Terms xmlns="http://schemas.microsoft.com/office/infopath/2007/PartnerControls"/>
+    </LocalizationTagsTaxHTField0>
+    <BusinessGroup xmlns="4873beb7-5857-4685-be1f-d57550cc96cc" xsi:nil="true"/>
+    <Providers xmlns="4873beb7-5857-4685-be1f-d57550cc96cc" xsi:nil="true"/>
+    <TemplateTemplateType xmlns="4873beb7-5857-4685-be1f-d57550cc96cc">PowerPoint Presentation Template</TemplateTemplateType>
+    <TimesCloned xmlns="4873beb7-5857-4685-be1f-d57550cc96cc" xsi:nil="true"/>
+    <TPAppVersion xmlns="4873beb7-5857-4685-be1f-d57550cc96cc" xsi:nil="true"/>
+    <VoteCount xmlns="4873beb7-5857-4685-be1f-d57550cc96cc" xsi:nil="true"/>
+    <AverageRating xmlns="4873beb7-5857-4685-be1f-d57550cc96cc" xsi:nil="true"/>
+    <FeatureTagsTaxHTField0 xmlns="4873beb7-5857-4685-be1f-d57550cc96cc">
+      <Terms xmlns="http://schemas.microsoft.com/office/infopath/2007/PartnerControls"/>
+    </FeatureTagsTaxHTField0>
+    <Provider xmlns="4873beb7-5857-4685-be1f-d57550cc96cc" xsi:nil="true"/>
+    <UACurrentWords xmlns="4873beb7-5857-4685-be1f-d57550cc96cc" xsi:nil="true"/>
+    <AssetId xmlns="4873beb7-5857-4685-be1f-d57550cc96cc">TP103431361</AssetId>
+    <TPClientViewer xmlns="4873beb7-5857-4685-be1f-d57550cc96cc" xsi:nil="true"/>
+    <DSATActionTaken xmlns="4873beb7-5857-4685-be1f-d57550cc96cc" xsi:nil="true"/>
+    <APEditor xmlns="4873beb7-5857-4685-be1f-d57550cc96cc">
+      <UserInfo>
+        <DisplayName/>
+        <AccountId xsi:nil="true"/>
+        <AccountType/>
+      </UserInfo>
+    </APEditor>
+    <TPInstallLocation xmlns="4873beb7-5857-4685-be1f-d57550cc96cc" xsi:nil="true"/>
+    <OOCacheId xmlns="4873beb7-5857-4685-be1f-d57550cc96cc" xsi:nil="true"/>
+    <IsDeleted xmlns="4873beb7-5857-4685-be1f-d57550cc96cc">false</IsDeleted>
+    <PublishTargets xmlns="4873beb7-5857-4685-be1f-d57550cc96cc">OfficeOnlineVNext</PublishTargets>
+    <ApprovalLog xmlns="4873beb7-5857-4685-be1f-d57550cc96cc" xsi:nil="true"/>
+    <BugNumber xmlns="4873beb7-5857-4685-be1f-d57550cc96cc" xsi:nil="true"/>
+    <CrawlForDependencies xmlns="4873beb7-5857-4685-be1f-d57550cc96cc">false</CrawlForDependencies>
+    <InternalTagsTaxHTField0 xmlns="4873beb7-5857-4685-be1f-d57550cc96cc">
+      <Terms xmlns="http://schemas.microsoft.com/office/infopath/2007/PartnerControls"/>
+    </InternalTagsTaxHTField0>
+    <LastHandOff xmlns="4873beb7-5857-4685-be1f-d57550cc96cc" xsi:nil="true"/>
+    <Milestone xmlns="4873beb7-5857-4685-be1f-d57550cc96cc" xsi:nil="true"/>
+    <OriginalRelease xmlns="4873beb7-5857-4685-be1f-d57550cc96cc">15</OriginalRelease>
+    <RecommendationsModifier xmlns="4873beb7-5857-4685-be1f-d57550cc96cc" xsi:nil="true"/>
+    <ScenarioTagsTaxHTField0 xmlns="4873beb7-5857-4685-be1f-d57550cc96cc">
+      <Terms xmlns="http://schemas.microsoft.com/office/infopath/2007/PartnerControls"/>
+    </ScenarioTagsTaxHTField0>
+    <UANotes xmlns="4873beb7-5857-4685-be1f-d57550cc96cc" xsi:nil="true"/>
+  </documentManagement>
+</p:properties>
+</file>
+
+<file path=customXml/item2.xml><?xml version="1.0" encoding="utf-8"?>
+<?mso-contentType ?>
+<FormTemplates xmlns="http://schemas.microsoft.com/sharepoint/v3/contenttype/forms">
+  <Display>DocumentLibraryForm</Display>
+  <Edit>AssetEditForm</Edit>
+  <New>DocumentLibraryForm</New>
+</FormTemplates>
+</file>
+
+<file path=customXml/item3.xml><?xml version="1.0" encoding="utf-8"?>
 <ct:contentTypeSchema xmlns:ct="http://schemas.microsoft.com/office/2006/metadata/contentType" xmlns:ma="http://schemas.microsoft.com/office/2006/metadata/properties/metaAttributes" ct:_="" ma:_="" ma:contentTypeName="TemplateFile" ma:contentTypeID="0x0101006EDDDB5EE6D98C44930B742096920B300400F5B6D36B3EF94B4E9A635CDF2A18F5B8" ma:contentTypeVersion="72" ma:contentTypeDescription="Create a new document." ma:contentTypeScope="" ma:versionID="a23e56308344d904b51738559c3d67c9">
   <xsd:schema xmlns:xsd="http://www.w3.org/2001/XMLSchema" xmlns:xs="http://www.w3.org/2001/XMLSchema" xmlns:p="http://schemas.microsoft.com/office/2006/metadata/properties" xmlns:ns2="4873beb7-5857-4685-be1f-d57550cc96cc" targetNamespace="http://schemas.microsoft.com/office/2006/metadata/properties" ma:root="true" ma:fieldsID="cd0908cc4600e77bf5da051303e00c8d" ns2:_="">
     <xsd:import namespace="4873beb7-5857-4685-be1f-d57550cc96cc"/>
@@ -12447,142 +14913,31 @@
 </ct:contentTypeSchema>
 </file>
 
-<file path=customXml/item2.xml><?xml version="1.0" encoding="utf-8"?>
-<?mso-contentType ?>
-<FormTemplates xmlns="http://schemas.microsoft.com/sharepoint/v3/contenttype/forms">
-  <Display>DocumentLibraryForm</Display>
-  <Edit>AssetEditForm</Edit>
-  <New>DocumentLibraryForm</New>
-</FormTemplates>
+<file path=customXml/itemProps1.xml><?xml version="1.0" encoding="utf-8"?>
+<ds:datastoreItem xmlns:ds="http://schemas.openxmlformats.org/officeDocument/2006/customXml" ds:itemID="{8CDDBB83-77C1-4099-A0AA-289882E745E2}">
+  <ds:schemaRefs>
+    <ds:schemaRef ds:uri="http://schemas.microsoft.com/office/infopath/2007/PartnerControls"/>
+    <ds:schemaRef ds:uri="http://purl.org/dc/dcmitype/"/>
+    <ds:schemaRef ds:uri="http://purl.org/dc/elements/1.1/"/>
+    <ds:schemaRef ds:uri="4873beb7-5857-4685-be1f-d57550cc96cc"/>
+    <ds:schemaRef ds:uri="http://schemas.microsoft.com/office/2006/documentManagement/types"/>
+    <ds:schemaRef ds:uri="http://purl.org/dc/terms/"/>
+    <ds:schemaRef ds:uri="http://schemas.openxmlformats.org/package/2006/metadata/core-properties"/>
+    <ds:schemaRef ds:uri="http://schemas.microsoft.com/office/2006/metadata/properties"/>
+    <ds:schemaRef ds:uri="http://www.w3.org/XML/1998/namespace"/>
+  </ds:schemaRefs>
+</ds:datastoreItem>
 </file>
 
-<file path=customXml/item3.xml><?xml version="1.0" encoding="utf-8"?>
-<p:properties xmlns:p="http://schemas.microsoft.com/office/2006/metadata/properties" xmlns:xsi="http://www.w3.org/2001/XMLSchema-instance" xmlns:pc="http://schemas.microsoft.com/office/infopath/2007/PartnerControls">
-  <documentManagement>
-    <APDescription xmlns="4873beb7-5857-4685-be1f-d57550cc96cc" xsi:nil="true"/>
-    <AssetExpire xmlns="4873beb7-5857-4685-be1f-d57550cc96cc">2029-01-01T08:00:00+00:00</AssetExpire>
-    <CampaignTagsTaxHTField0 xmlns="4873beb7-5857-4685-be1f-d57550cc96cc">
-      <Terms xmlns="http://schemas.microsoft.com/office/infopath/2007/PartnerControls"/>
-    </CampaignTagsTaxHTField0>
-    <IntlLangReviewDate xmlns="4873beb7-5857-4685-be1f-d57550cc96cc" xsi:nil="true"/>
-    <TPFriendlyName xmlns="4873beb7-5857-4685-be1f-d57550cc96cc" xsi:nil="true"/>
-    <IntlLangReview xmlns="4873beb7-5857-4685-be1f-d57550cc96cc">false</IntlLangReview>
-    <LocLastLocAttemptVersionLookup xmlns="4873beb7-5857-4685-be1f-d57550cc96cc">855024</LocLastLocAttemptVersionLookup>
-    <PolicheckWords xmlns="4873beb7-5857-4685-be1f-d57550cc96cc" xsi:nil="true"/>
-    <SubmitterId xmlns="4873beb7-5857-4685-be1f-d57550cc96cc" xsi:nil="true"/>
-    <AcquiredFrom xmlns="4873beb7-5857-4685-be1f-d57550cc96cc">Internal MS</AcquiredFrom>
-    <EditorialStatus xmlns="4873beb7-5857-4685-be1f-d57550cc96cc">Complete</EditorialStatus>
-    <Markets xmlns="4873beb7-5857-4685-be1f-d57550cc96cc"/>
-    <OriginAsset xmlns="4873beb7-5857-4685-be1f-d57550cc96cc" xsi:nil="true"/>
-    <AssetStart xmlns="4873beb7-5857-4685-be1f-d57550cc96cc">2012-08-31T08:50:00+00:00</AssetStart>
-    <FriendlyTitle xmlns="4873beb7-5857-4685-be1f-d57550cc96cc" xsi:nil="true"/>
-    <MarketSpecific xmlns="4873beb7-5857-4685-be1f-d57550cc96cc">false</MarketSpecific>
-    <TPNamespace xmlns="4873beb7-5857-4685-be1f-d57550cc96cc" xsi:nil="true"/>
-    <PublishStatusLookup xmlns="4873beb7-5857-4685-be1f-d57550cc96cc">
-      <Value>1616423</Value>
-    </PublishStatusLookup>
-    <APAuthor xmlns="4873beb7-5857-4685-be1f-d57550cc96cc">
-      <UserInfo>
-        <DisplayName>REDMOND\kristaa</DisplayName>
-        <AccountId>136</AccountId>
-        <AccountType/>
-      </UserInfo>
-    </APAuthor>
-    <TPCommandLine xmlns="4873beb7-5857-4685-be1f-d57550cc96cc" xsi:nil="true"/>
-    <IntlLangReviewer xmlns="4873beb7-5857-4685-be1f-d57550cc96cc" xsi:nil="true"/>
-    <OpenTemplate xmlns="4873beb7-5857-4685-be1f-d57550cc96cc">true</OpenTemplate>
-    <CSXSubmissionDate xmlns="4873beb7-5857-4685-be1f-d57550cc96cc" xsi:nil="true"/>
-    <TaxCatchAll xmlns="4873beb7-5857-4685-be1f-d57550cc96cc"/>
-    <Manager xmlns="4873beb7-5857-4685-be1f-d57550cc96cc" xsi:nil="true"/>
-    <NumericId xmlns="4873beb7-5857-4685-be1f-d57550cc96cc" xsi:nil="true"/>
-    <ParentAssetId xmlns="4873beb7-5857-4685-be1f-d57550cc96cc" xsi:nil="true"/>
-    <OriginalSourceMarket xmlns="4873beb7-5857-4685-be1f-d57550cc96cc" xsi:nil="true"/>
-    <ApprovalStatus xmlns="4873beb7-5857-4685-be1f-d57550cc96cc">InProgress</ApprovalStatus>
-    <TPComponent xmlns="4873beb7-5857-4685-be1f-d57550cc96cc" xsi:nil="true"/>
-    <EditorialTags xmlns="4873beb7-5857-4685-be1f-d57550cc96cc" xsi:nil="true"/>
-    <TPExecutable xmlns="4873beb7-5857-4685-be1f-d57550cc96cc" xsi:nil="true"/>
-    <TPLaunchHelpLink xmlns="4873beb7-5857-4685-be1f-d57550cc96cc" xsi:nil="true"/>
-    <LocComments xmlns="4873beb7-5857-4685-be1f-d57550cc96cc" xsi:nil="true"/>
-    <LocRecommendedHandoff xmlns="4873beb7-5857-4685-be1f-d57550cc96cc" xsi:nil="true"/>
-    <SourceTitle xmlns="4873beb7-5857-4685-be1f-d57550cc96cc" xsi:nil="true"/>
-    <CSXUpdate xmlns="4873beb7-5857-4685-be1f-d57550cc96cc">false</CSXUpdate>
-    <IntlLocPriority xmlns="4873beb7-5857-4685-be1f-d57550cc96cc" xsi:nil="true"/>
-    <UAProjectedTotalWords xmlns="4873beb7-5857-4685-be1f-d57550cc96cc" xsi:nil="true"/>
-    <AssetType xmlns="4873beb7-5857-4685-be1f-d57550cc96cc">TP</AssetType>
-    <MachineTranslated xmlns="4873beb7-5857-4685-be1f-d57550cc96cc">false</MachineTranslated>
-    <OutputCachingOn xmlns="4873beb7-5857-4685-be1f-d57550cc96cc">false</OutputCachingOn>
-    <TemplateStatus xmlns="4873beb7-5857-4685-be1f-d57550cc96cc">Complete</TemplateStatus>
-    <IsSearchable xmlns="4873beb7-5857-4685-be1f-d57550cc96cc">true</IsSearchable>
-    <ContentItem xmlns="4873beb7-5857-4685-be1f-d57550cc96cc" xsi:nil="true"/>
-    <HandoffToMSDN xmlns="4873beb7-5857-4685-be1f-d57550cc96cc" xsi:nil="true"/>
-    <ShowIn xmlns="4873beb7-5857-4685-be1f-d57550cc96cc">Show everywhere</ShowIn>
-    <ThumbnailAssetId xmlns="4873beb7-5857-4685-be1f-d57550cc96cc" xsi:nil="true"/>
-    <UALocComments xmlns="4873beb7-5857-4685-be1f-d57550cc96cc" xsi:nil="true"/>
-    <UALocRecommendation xmlns="4873beb7-5857-4685-be1f-d57550cc96cc">Localize</UALocRecommendation>
-    <LastModifiedDateTime xmlns="4873beb7-5857-4685-be1f-d57550cc96cc" xsi:nil="true"/>
-    <LegacyData xmlns="4873beb7-5857-4685-be1f-d57550cc96cc" xsi:nil="true"/>
-    <LocManualTestRequired xmlns="4873beb7-5857-4685-be1f-d57550cc96cc">false</LocManualTestRequired>
-    <LocMarketGroupTiers2 xmlns="4873beb7-5857-4685-be1f-d57550cc96cc" xsi:nil="true"/>
-    <ClipArtFilename xmlns="4873beb7-5857-4685-be1f-d57550cc96cc" xsi:nil="true"/>
-    <TPApplication xmlns="4873beb7-5857-4685-be1f-d57550cc96cc" xsi:nil="true"/>
-    <CSXHash xmlns="4873beb7-5857-4685-be1f-d57550cc96cc" xsi:nil="true"/>
-    <DirectSourceMarket xmlns="4873beb7-5857-4685-be1f-d57550cc96cc" xsi:nil="true"/>
-    <PrimaryImageGen xmlns="4873beb7-5857-4685-be1f-d57550cc96cc">true</PrimaryImageGen>
-    <PlannedPubDate xmlns="4873beb7-5857-4685-be1f-d57550cc96cc" xsi:nil="true"/>
-    <CSXSubmissionMarket xmlns="4873beb7-5857-4685-be1f-d57550cc96cc" xsi:nil="true"/>
-    <Downloads xmlns="4873beb7-5857-4685-be1f-d57550cc96cc">0</Downloads>
-    <ArtSampleDocs xmlns="4873beb7-5857-4685-be1f-d57550cc96cc" xsi:nil="true"/>
-    <TrustLevel xmlns="4873beb7-5857-4685-be1f-d57550cc96cc">1 Microsoft Managed Content</TrustLevel>
-    <BlockPublish xmlns="4873beb7-5857-4685-be1f-d57550cc96cc">false</BlockPublish>
-    <TPLaunchHelpLinkType xmlns="4873beb7-5857-4685-be1f-d57550cc96cc">Template</TPLaunchHelpLinkType>
-    <LocalizationTagsTaxHTField0 xmlns="4873beb7-5857-4685-be1f-d57550cc96cc">
-      <Terms xmlns="http://schemas.microsoft.com/office/infopath/2007/PartnerControls"/>
-    </LocalizationTagsTaxHTField0>
-    <BusinessGroup xmlns="4873beb7-5857-4685-be1f-d57550cc96cc" xsi:nil="true"/>
-    <Providers xmlns="4873beb7-5857-4685-be1f-d57550cc96cc" xsi:nil="true"/>
-    <TemplateTemplateType xmlns="4873beb7-5857-4685-be1f-d57550cc96cc">PowerPoint Presentation Template</TemplateTemplateType>
-    <TimesCloned xmlns="4873beb7-5857-4685-be1f-d57550cc96cc" xsi:nil="true"/>
-    <TPAppVersion xmlns="4873beb7-5857-4685-be1f-d57550cc96cc" xsi:nil="true"/>
-    <VoteCount xmlns="4873beb7-5857-4685-be1f-d57550cc96cc" xsi:nil="true"/>
-    <AverageRating xmlns="4873beb7-5857-4685-be1f-d57550cc96cc" xsi:nil="true"/>
-    <FeatureTagsTaxHTField0 xmlns="4873beb7-5857-4685-be1f-d57550cc96cc">
-      <Terms xmlns="http://schemas.microsoft.com/office/infopath/2007/PartnerControls"/>
-    </FeatureTagsTaxHTField0>
-    <Provider xmlns="4873beb7-5857-4685-be1f-d57550cc96cc" xsi:nil="true"/>
-    <UACurrentWords xmlns="4873beb7-5857-4685-be1f-d57550cc96cc" xsi:nil="true"/>
-    <AssetId xmlns="4873beb7-5857-4685-be1f-d57550cc96cc">TP103431361</AssetId>
-    <TPClientViewer xmlns="4873beb7-5857-4685-be1f-d57550cc96cc" xsi:nil="true"/>
-    <DSATActionTaken xmlns="4873beb7-5857-4685-be1f-d57550cc96cc" xsi:nil="true"/>
-    <APEditor xmlns="4873beb7-5857-4685-be1f-d57550cc96cc">
-      <UserInfo>
-        <DisplayName/>
-        <AccountId xsi:nil="true"/>
-        <AccountType/>
-      </UserInfo>
-    </APEditor>
-    <TPInstallLocation xmlns="4873beb7-5857-4685-be1f-d57550cc96cc" xsi:nil="true"/>
-    <OOCacheId xmlns="4873beb7-5857-4685-be1f-d57550cc96cc" xsi:nil="true"/>
-    <IsDeleted xmlns="4873beb7-5857-4685-be1f-d57550cc96cc">false</IsDeleted>
-    <PublishTargets xmlns="4873beb7-5857-4685-be1f-d57550cc96cc">OfficeOnlineVNext</PublishTargets>
-    <ApprovalLog xmlns="4873beb7-5857-4685-be1f-d57550cc96cc" xsi:nil="true"/>
-    <BugNumber xmlns="4873beb7-5857-4685-be1f-d57550cc96cc" xsi:nil="true"/>
-    <CrawlForDependencies xmlns="4873beb7-5857-4685-be1f-d57550cc96cc">false</CrawlForDependencies>
-    <InternalTagsTaxHTField0 xmlns="4873beb7-5857-4685-be1f-d57550cc96cc">
-      <Terms xmlns="http://schemas.microsoft.com/office/infopath/2007/PartnerControls"/>
-    </InternalTagsTaxHTField0>
-    <LastHandOff xmlns="4873beb7-5857-4685-be1f-d57550cc96cc" xsi:nil="true"/>
-    <Milestone xmlns="4873beb7-5857-4685-be1f-d57550cc96cc" xsi:nil="true"/>
-    <OriginalRelease xmlns="4873beb7-5857-4685-be1f-d57550cc96cc">15</OriginalRelease>
-    <RecommendationsModifier xmlns="4873beb7-5857-4685-be1f-d57550cc96cc" xsi:nil="true"/>
-    <ScenarioTagsTaxHTField0 xmlns="4873beb7-5857-4685-be1f-d57550cc96cc">
-      <Terms xmlns="http://schemas.microsoft.com/office/infopath/2007/PartnerControls"/>
-    </ScenarioTagsTaxHTField0>
-    <UANotes xmlns="4873beb7-5857-4685-be1f-d57550cc96cc" xsi:nil="true"/>
-  </documentManagement>
-</p:properties>
+<file path=customXml/itemProps2.xml><?xml version="1.0" encoding="utf-8"?>
+<ds:datastoreItem xmlns:ds="http://schemas.openxmlformats.org/officeDocument/2006/customXml" ds:itemID="{561E720F-F05D-4536-9C34-0CFCED65D3B7}">
+  <ds:schemaRefs>
+    <ds:schemaRef ds:uri="http://schemas.microsoft.com/sharepoint/v3/contenttype/forms"/>
+  </ds:schemaRefs>
+</ds:datastoreItem>
 </file>
 
-<file path=customXml/itemProps1.xml><?xml version="1.0" encoding="utf-8"?>
+<file path=customXml/itemProps3.xml><?xml version="1.0" encoding="utf-8"?>
 <ds:datastoreItem xmlns:ds="http://schemas.openxmlformats.org/officeDocument/2006/customXml" ds:itemID="{28C8B9CA-0273-4370-889A-FC05DA5C2FA5}">
   <ds:schemaRefs>
     <ds:schemaRef ds:uri="http://schemas.microsoft.com/office/2006/metadata/contentType"/>
@@ -12598,28 +14953,4 @@
     <ds:schemaRef ds:uri="http://schemas.microsoft.com/internal/obd"/>
   </ds:schemaRefs>
 </ds:datastoreItem>
-</file>
-
-<file path=customXml/itemProps2.xml><?xml version="1.0" encoding="utf-8"?>
-<ds:datastoreItem xmlns:ds="http://schemas.openxmlformats.org/officeDocument/2006/customXml" ds:itemID="{561E720F-F05D-4536-9C34-0CFCED65D3B7}">
-  <ds:schemaRefs>
-    <ds:schemaRef ds:uri="http://schemas.microsoft.com/sharepoint/v3/contenttype/forms"/>
-  </ds:schemaRefs>
-</ds:datastoreItem>
-</file>
-
-<file path=customXml/itemProps3.xml><?xml version="1.0" encoding="utf-8"?>
-<ds:datastoreItem xmlns:ds="http://schemas.openxmlformats.org/officeDocument/2006/customXml" ds:itemID="{8CDDBB83-77C1-4099-A0AA-289882E745E2}">
-  <ds:schemaRefs>
-    <ds:schemaRef ds:uri="http://schemas.microsoft.com/office/infopath/2007/PartnerControls"/>
-    <ds:schemaRef ds:uri="http://purl.org/dc/dcmitype/"/>
-    <ds:schemaRef ds:uri="http://purl.org/dc/elements/1.1/"/>
-    <ds:schemaRef ds:uri="4873beb7-5857-4685-be1f-d57550cc96cc"/>
-    <ds:schemaRef ds:uri="http://schemas.microsoft.com/office/2006/documentManagement/types"/>
-    <ds:schemaRef ds:uri="http://purl.org/dc/terms/"/>
-    <ds:schemaRef ds:uri="http://schemas.openxmlformats.org/package/2006/metadata/core-properties"/>
-    <ds:schemaRef ds:uri="http://schemas.microsoft.com/office/2006/metadata/properties"/>
-    <ds:schemaRef ds:uri="http://www.w3.org/XML/1998/namespace"/>
-  </ds:schemaRefs>
-</ds:datastoreItem>
 </file>